--- a/Báo cáo OOP.pptx
+++ b/Báo cáo OOP.pptx
@@ -25,11 +25,11 @@
     <p:sldId id="284" r:id="rId13"/>
     <p:sldId id="283" r:id="rId14"/>
     <p:sldId id="285" r:id="rId15"/>
-    <p:sldId id="286" r:id="rId16"/>
-    <p:sldId id="287" r:id="rId17"/>
-    <p:sldId id="299" r:id="rId18"/>
-    <p:sldId id="288" r:id="rId19"/>
-    <p:sldId id="289" r:id="rId20"/>
+    <p:sldId id="289" r:id="rId16"/>
+    <p:sldId id="286" r:id="rId17"/>
+    <p:sldId id="287" r:id="rId18"/>
+    <p:sldId id="299" r:id="rId19"/>
+    <p:sldId id="288" r:id="rId20"/>
     <p:sldId id="290" r:id="rId21"/>
     <p:sldId id="300" r:id="rId22"/>
     <p:sldId id="269" r:id="rId23"/>
@@ -135,8 +135,123 @@
     <p:ext uri="{EFAFB233-063F-42B5-8137-9DF3F51BA10A}">
       <p15:sldGuideLst xmlns:p15="http://schemas.microsoft.com/office/powerpoint/2012/main"/>
     </p:ext>
+    <p:ext uri="{2D200454-40CA-4A62-9FC3-DE9A4176ACB9}">
+      <p15:notesGuideLst xmlns:p15="http://schemas.microsoft.com/office/powerpoint/2012/main"/>
+    </p:ext>
   </p:extLst>
 </p:presentation>
+</file>
+
+<file path=ppt/revisionInfo.xml><?xml version="1.0" encoding="utf-8"?>
+<p1510:revInfo xmlns:a="http://schemas.openxmlformats.org/drawingml/2006/main" xmlns:r="http://schemas.openxmlformats.org/officeDocument/2006/relationships" xmlns:p1510="http://schemas.microsoft.com/office/powerpoint/2015/10/main">
+  <p1510:revLst>
+    <p1510:client id="{DC50F419-B6A9-48CC-8C05-AAA3BB7B5788}" v="6" dt="2024-12-25T00:00:46.041"/>
+  </p1510:revLst>
+</p1510:revInfo>
+</file>
+
+<file path=ppt/changesInfos/changesInfo1.xml><?xml version="1.0" encoding="utf-8"?>
+<pc:chgInfo xmlns:a="http://schemas.openxmlformats.org/drawingml/2006/main" xmlns:r="http://schemas.openxmlformats.org/officeDocument/2006/relationships" xmlns:ac="http://schemas.microsoft.com/office/drawing/2013/main/command" xmlns:pc="http://schemas.microsoft.com/office/powerpoint/2013/main/command">
+  <pc:docChgLst>
+    <pc:chgData name="Nhật Minh" userId="3ef21478a3525a9e" providerId="LiveId" clId="{DC50F419-B6A9-48CC-8C05-AAA3BB7B5788}"/>
+    <pc:docChg chg="undo custSel modSld sldOrd">
+      <pc:chgData name="Nhật Minh" userId="3ef21478a3525a9e" providerId="LiveId" clId="{DC50F419-B6A9-48CC-8C05-AAA3BB7B5788}" dt="2024-12-25T01:26:08.149" v="702" actId="22"/>
+      <pc:docMkLst>
+        <pc:docMk/>
+      </pc:docMkLst>
+      <pc:sldChg chg="modSp mod">
+        <pc:chgData name="Nhật Minh" userId="3ef21478a3525a9e" providerId="LiveId" clId="{DC50F419-B6A9-48CC-8C05-AAA3BB7B5788}" dt="2024-12-25T00:13:32.617" v="658" actId="20577"/>
+        <pc:sldMkLst>
+          <pc:docMk/>
+          <pc:sldMk cId="743172911" sldId="257"/>
+        </pc:sldMkLst>
+        <pc:spChg chg="mod">
+          <ac:chgData name="Nhật Minh" userId="3ef21478a3525a9e" providerId="LiveId" clId="{DC50F419-B6A9-48CC-8C05-AAA3BB7B5788}" dt="2024-12-25T00:13:32.617" v="658" actId="20577"/>
+          <ac:spMkLst>
+            <pc:docMk/>
+            <pc:sldMk cId="743172911" sldId="257"/>
+            <ac:spMk id="12" creationId="{A4ACF486-B7D8-4A5A-B633-83527A2F99E2}"/>
+          </ac:spMkLst>
+        </pc:spChg>
+      </pc:sldChg>
+      <pc:sldChg chg="modSp mod">
+        <pc:chgData name="Nhật Minh" userId="3ef21478a3525a9e" providerId="LiveId" clId="{DC50F419-B6A9-48CC-8C05-AAA3BB7B5788}" dt="2024-12-24T23:58:31.137" v="407" actId="20577"/>
+        <pc:sldMkLst>
+          <pc:docMk/>
+          <pc:sldMk cId="2751358436" sldId="266"/>
+        </pc:sldMkLst>
+        <pc:spChg chg="mod">
+          <ac:chgData name="Nhật Minh" userId="3ef21478a3525a9e" providerId="LiveId" clId="{DC50F419-B6A9-48CC-8C05-AAA3BB7B5788}" dt="2024-12-24T23:58:31.137" v="407" actId="20577"/>
+          <ac:spMkLst>
+            <pc:docMk/>
+            <pc:sldMk cId="2751358436" sldId="266"/>
+            <ac:spMk id="4" creationId="{BC311219-8684-45FC-A126-E067924AC7F7}"/>
+          </ac:spMkLst>
+        </pc:spChg>
+      </pc:sldChg>
+      <pc:sldChg chg="ord">
+        <pc:chgData name="Nhật Minh" userId="3ef21478a3525a9e" providerId="LiveId" clId="{DC50F419-B6A9-48CC-8C05-AAA3BB7B5788}" dt="2024-12-25T00:25:35.257" v="698"/>
+        <pc:sldMkLst>
+          <pc:docMk/>
+          <pc:sldMk cId="1139897194" sldId="289"/>
+        </pc:sldMkLst>
+      </pc:sldChg>
+      <pc:sldChg chg="ord">
+        <pc:chgData name="Nhật Minh" userId="3ef21478a3525a9e" providerId="LiveId" clId="{DC50F419-B6A9-48CC-8C05-AAA3BB7B5788}" dt="2024-12-25T01:06:52.738" v="700"/>
+        <pc:sldMkLst>
+          <pc:docMk/>
+          <pc:sldMk cId="4185226958" sldId="290"/>
+        </pc:sldMkLst>
+      </pc:sldChg>
+      <pc:sldChg chg="modSp mod">
+        <pc:chgData name="Nhật Minh" userId="3ef21478a3525a9e" providerId="LiveId" clId="{DC50F419-B6A9-48CC-8C05-AAA3BB7B5788}" dt="2024-12-25T00:14:06.975" v="694" actId="20577"/>
+        <pc:sldMkLst>
+          <pc:docMk/>
+          <pc:sldMk cId="3650046006" sldId="297"/>
+        </pc:sldMkLst>
+        <pc:spChg chg="mod">
+          <ac:chgData name="Nhật Minh" userId="3ef21478a3525a9e" providerId="LiveId" clId="{DC50F419-B6A9-48CC-8C05-AAA3BB7B5788}" dt="2024-12-25T00:14:06.975" v="694" actId="20577"/>
+          <ac:spMkLst>
+            <pc:docMk/>
+            <pc:sldMk cId="3650046006" sldId="297"/>
+            <ac:spMk id="4" creationId="{9BA04AD2-CA07-DF7B-5686-3CECB42FF7AF}"/>
+          </ac:spMkLst>
+        </pc:spChg>
+      </pc:sldChg>
+      <pc:sldChg chg="addSp delSp modSp mod">
+        <pc:chgData name="Nhật Minh" userId="3ef21478a3525a9e" providerId="LiveId" clId="{DC50F419-B6A9-48CC-8C05-AAA3BB7B5788}" dt="2024-12-25T01:26:08.149" v="702" actId="22"/>
+        <pc:sldMkLst>
+          <pc:docMk/>
+          <pc:sldMk cId="741635199" sldId="299"/>
+        </pc:sldMkLst>
+        <pc:spChg chg="add mod">
+          <ac:chgData name="Nhật Minh" userId="3ef21478a3525a9e" providerId="LiveId" clId="{DC50F419-B6A9-48CC-8C05-AAA3BB7B5788}" dt="2024-12-25T01:26:07.869" v="701" actId="478"/>
+          <ac:spMkLst>
+            <pc:docMk/>
+            <pc:sldMk cId="741635199" sldId="299"/>
+            <ac:spMk id="6" creationId="{D30E1F29-3948-1B19-811A-5D0BCA275AF2}"/>
+          </ac:spMkLst>
+        </pc:spChg>
+        <pc:picChg chg="del">
+          <ac:chgData name="Nhật Minh" userId="3ef21478a3525a9e" providerId="LiveId" clId="{DC50F419-B6A9-48CC-8C05-AAA3BB7B5788}" dt="2024-12-25T01:26:07.869" v="701" actId="478"/>
+          <ac:picMkLst>
+            <pc:docMk/>
+            <pc:sldMk cId="741635199" sldId="299"/>
+            <ac:picMk id="5" creationId="{B8E0D425-99A9-B2DF-600C-25EC5A5F4F9B}"/>
+          </ac:picMkLst>
+        </pc:picChg>
+        <pc:picChg chg="add">
+          <ac:chgData name="Nhật Minh" userId="3ef21478a3525a9e" providerId="LiveId" clId="{DC50F419-B6A9-48CC-8C05-AAA3BB7B5788}" dt="2024-12-25T01:26:08.149" v="702" actId="22"/>
+          <ac:picMkLst>
+            <pc:docMk/>
+            <pc:sldMk cId="741635199" sldId="299"/>
+            <ac:picMk id="8" creationId="{59F2DB51-20BD-353A-A573-C10B0181AE1A}"/>
+          </ac:picMkLst>
+        </pc:picChg>
+      </pc:sldChg>
+    </pc:docChg>
+  </pc:docChgLst>
+</pc:chgInfo>
 </file>
 
 <file path=ppt/handoutMasters/handoutMaster1.xml><?xml version="1.0" encoding="utf-8"?>
@@ -233,7 +348,7 @@
           <a:p>
             <a:fld id="{48B45424-6BAC-416C-8F6C-5F9DE854A36B}" type="datetimeFigureOut">
               <a:rPr lang="en-US" smtClean="0"/>
-              <a:t>12/23/2024</a:t>
+              <a:t>12/25/2024</a:t>
             </a:fld>
             <a:endParaRPr lang="en-US"/>
           </a:p>
@@ -411,7 +526,7 @@
           <a:p>
             <a:fld id="{6B733702-C25A-40B9-9167-54BAA79B29B0}" type="datetimeFigureOut">
               <a:rPr lang="en-US" smtClean="0"/>
-              <a:t>12/23/2024</a:t>
+              <a:t>12/25/2024</a:t>
             </a:fld>
             <a:endParaRPr lang="en-US"/>
           </a:p>
@@ -744,7 +859,7 @@
           <a:p>
             <a:fld id="{AB2FC7A4-3D1B-482D-8C9D-7642A2CE3076}" type="slidenum">
               <a:rPr lang="en-US" smtClean="0"/>
-              <a:t>19</a:t>
+              <a:t>15</a:t>
             </a:fld>
             <a:endParaRPr lang="en-US"/>
           </a:p>
@@ -883,7 +998,7 @@
             <a:fld id="{F70EAA40-3A53-4A3D-924A-D38F1059C7D5}" type="datetime1">
               <a:rPr lang="en-US" smtClean="0"/>
               <a:pPr/>
-              <a:t>12/23/2024</a:t>
+              <a:t>12/25/2024</a:t>
             </a:fld>
             <a:endParaRPr lang="en-US"/>
           </a:p>
@@ -1113,7 +1228,7 @@
             <a:fld id="{F70EAA40-3A53-4A3D-924A-D38F1059C7D5}" type="datetime1">
               <a:rPr lang="en-US" smtClean="0"/>
               <a:pPr/>
-              <a:t>12/23/2024</a:t>
+              <a:t>12/25/2024</a:t>
             </a:fld>
             <a:endParaRPr lang="en-US"/>
           </a:p>
@@ -1447,7 +1562,7 @@
             <a:fld id="{F70EAA40-3A53-4A3D-924A-D38F1059C7D5}" type="datetime1">
               <a:rPr lang="en-US" smtClean="0"/>
               <a:pPr/>
-              <a:t>12/23/2024</a:t>
+              <a:t>12/25/2024</a:t>
             </a:fld>
             <a:endParaRPr lang="en-US"/>
           </a:p>
@@ -1781,7 +1896,7 @@
             <a:fld id="{F70EAA40-3A53-4A3D-924A-D38F1059C7D5}" type="datetime1">
               <a:rPr lang="en-US" smtClean="0"/>
               <a:pPr/>
-              <a:t>12/23/2024</a:t>
+              <a:t>12/25/2024</a:t>
             </a:fld>
             <a:endParaRPr lang="en-US"/>
           </a:p>
@@ -2467,7 +2582,7 @@
             <a:fld id="{F70EAA40-3A53-4A3D-924A-D38F1059C7D5}" type="datetime1">
               <a:rPr lang="en-US" smtClean="0"/>
               <a:pPr/>
-              <a:t>12/23/2024</a:t>
+              <a:t>12/25/2024</a:t>
             </a:fld>
             <a:endParaRPr lang="en-US"/>
           </a:p>
@@ -2657,7 +2772,7 @@
             <a:fld id="{F70EAA40-3A53-4A3D-924A-D38F1059C7D5}" type="datetime1">
               <a:rPr lang="en-US" smtClean="0"/>
               <a:pPr/>
-              <a:t>12/23/2024</a:t>
+              <a:t>12/25/2024</a:t>
             </a:fld>
             <a:endParaRPr lang="en-US"/>
           </a:p>
@@ -3240,7 +3355,7 @@
             <a:fld id="{F70EAA40-3A53-4A3D-924A-D38F1059C7D5}" type="datetime1">
               <a:rPr lang="en-US" smtClean="0"/>
               <a:pPr/>
-              <a:t>12/23/2024</a:t>
+              <a:t>12/25/2024</a:t>
             </a:fld>
             <a:endParaRPr lang="en-US"/>
           </a:p>
@@ -3426,7 +3541,7 @@
             <a:fld id="{F70EAA40-3A53-4A3D-924A-D38F1059C7D5}" type="datetime1">
               <a:rPr lang="en-US" smtClean="0"/>
               <a:pPr/>
-              <a:t>12/23/2024</a:t>
+              <a:t>12/25/2024</a:t>
             </a:fld>
             <a:endParaRPr lang="en-US"/>
           </a:p>
@@ -5556,6 +5671,155 @@
         <p:cNvPr id="1" name="">
           <a:extLst>
             <a:ext uri="{FF2B5EF4-FFF2-40B4-BE49-F238E27FC236}">
+              <a16:creationId xmlns:a16="http://schemas.microsoft.com/office/drawing/2014/main" id="{723DD16C-C1FA-34EA-1ADD-7336D8478463}"/>
+            </a:ext>
+          </a:extLst>
+        </p:cNvPr>
+        <p:cNvGrpSpPr/>
+        <p:nvPr/>
+      </p:nvGrpSpPr>
+      <p:grpSpPr>
+        <a:xfrm>
+          <a:off x="0" y="0"/>
+          <a:ext cx="0" cy="0"/>
+          <a:chOff x="0" y="0"/>
+          <a:chExt cx="0" cy="0"/>
+        </a:xfrm>
+      </p:grpSpPr>
+      <p:sp>
+        <p:nvSpPr>
+          <p:cNvPr id="2" name="Slide Number Placeholder 1">
+            <a:extLst>
+              <a:ext uri="{FF2B5EF4-FFF2-40B4-BE49-F238E27FC236}">
+                <a16:creationId xmlns:a16="http://schemas.microsoft.com/office/drawing/2014/main" id="{CC4451DB-0E21-9675-7818-A58B5FF28857}"/>
+              </a:ext>
+            </a:extLst>
+          </p:cNvPr>
+          <p:cNvSpPr>
+            <a:spLocks noGrp="1"/>
+          </p:cNvSpPr>
+          <p:nvPr>
+            <p:ph type="sldNum" sz="quarter" idx="12"/>
+          </p:nvPr>
+        </p:nvSpPr>
+        <p:spPr/>
+        <p:txBody>
+          <a:bodyPr/>
+          <a:lstStyle/>
+          <a:p>
+            <a:fld id="{9EA0BE3B-158A-4EDF-80DC-E394A0D1600F}" type="slidenum">
+              <a:rPr lang="en-US" smtClean="0"/>
+              <a:pPr/>
+              <a:t>15</a:t>
+            </a:fld>
+            <a:endParaRPr lang="en-US" dirty="0"/>
+          </a:p>
+        </p:txBody>
+      </p:sp>
+      <p:sp>
+        <p:nvSpPr>
+          <p:cNvPr id="3" name="Title 2">
+            <a:extLst>
+              <a:ext uri="{FF2B5EF4-FFF2-40B4-BE49-F238E27FC236}">
+                <a16:creationId xmlns:a16="http://schemas.microsoft.com/office/drawing/2014/main" id="{85868353-6B48-599A-B24C-B2C63DE73C63}"/>
+              </a:ext>
+            </a:extLst>
+          </p:cNvPr>
+          <p:cNvSpPr>
+            <a:spLocks noGrp="1"/>
+          </p:cNvSpPr>
+          <p:nvPr>
+            <p:ph type="title"/>
+          </p:nvPr>
+        </p:nvSpPr>
+        <p:spPr/>
+        <p:txBody>
+          <a:bodyPr/>
+          <a:lstStyle/>
+          <a:p>
+            <a:endParaRPr lang="en-US" dirty="0"/>
+          </a:p>
+        </p:txBody>
+      </p:sp>
+      <p:sp>
+        <p:nvSpPr>
+          <p:cNvPr id="4" name="Content Placeholder 3">
+            <a:extLst>
+              <a:ext uri="{FF2B5EF4-FFF2-40B4-BE49-F238E27FC236}">
+                <a16:creationId xmlns:a16="http://schemas.microsoft.com/office/drawing/2014/main" id="{358BA611-4179-3DB5-5030-AC2EE54C5CAA}"/>
+              </a:ext>
+            </a:extLst>
+          </p:cNvPr>
+          <p:cNvSpPr>
+            <a:spLocks noGrp="1"/>
+          </p:cNvSpPr>
+          <p:nvPr>
+            <p:ph sz="quarter" idx="13"/>
+          </p:nvPr>
+        </p:nvSpPr>
+        <p:spPr/>
+        <p:txBody>
+          <a:bodyPr/>
+          <a:lstStyle/>
+          <a:p>
+            <a:r>
+              <a:rPr lang="en-US" dirty="0"/>
+              <a:t>Package Code</a:t>
+            </a:r>
+          </a:p>
+        </p:txBody>
+      </p:sp>
+      <p:pic>
+        <p:nvPicPr>
+          <p:cNvPr id="5" name="Hình ảnh 1" descr="Ảnh có chứa văn bản, ảnh chụp màn hình, biểu đồ, Song song&#10;&#10;Mô tả được tạo tự động">
+            <a:extLst>
+              <a:ext uri="{FF2B5EF4-FFF2-40B4-BE49-F238E27FC236}">
+                <a16:creationId xmlns:a16="http://schemas.microsoft.com/office/drawing/2014/main" id="{2518329C-745A-595E-D42D-63AC89E57F1F}"/>
+              </a:ext>
+            </a:extLst>
+          </p:cNvPr>
+          <p:cNvPicPr>
+            <a:picLocks noChangeAspect="1"/>
+          </p:cNvPicPr>
+          <p:nvPr/>
+        </p:nvPicPr>
+        <p:blipFill>
+          <a:blip r:embed="rId3"/>
+          <a:stretch>
+            <a:fillRect/>
+          </a:stretch>
+        </p:blipFill>
+        <p:spPr>
+          <a:xfrm>
+            <a:off x="2225154" y="1194218"/>
+            <a:ext cx="4693691" cy="4469563"/>
+          </a:xfrm>
+          <a:prstGeom prst="rect">
+            <a:avLst/>
+          </a:prstGeom>
+        </p:spPr>
+      </p:pic>
+    </p:spTree>
+    <p:extLst>
+      <p:ext uri="{BB962C8B-B14F-4D97-AF65-F5344CB8AC3E}">
+        <p14:creationId xmlns:p14="http://schemas.microsoft.com/office/powerpoint/2010/main" val="1139897194"/>
+      </p:ext>
+    </p:extLst>
+  </p:cSld>
+  <p:clrMapOvr>
+    <a:masterClrMapping/>
+  </p:clrMapOvr>
+</p:sld>
+</file>
+
+<file path=ppt/slides/slide16.xml><?xml version="1.0" encoding="utf-8"?>
+<p:sld xmlns:a="http://schemas.openxmlformats.org/drawingml/2006/main" xmlns:r="http://schemas.openxmlformats.org/officeDocument/2006/relationships" xmlns:p="http://schemas.openxmlformats.org/presentationml/2006/main">
+  <p:cSld>
+    <p:spTree>
+      <p:nvGrpSpPr>
+        <p:cNvPr id="1" name="">
+          <a:extLst>
+            <a:ext uri="{FF2B5EF4-FFF2-40B4-BE49-F238E27FC236}">
               <a16:creationId xmlns:a16="http://schemas.microsoft.com/office/drawing/2014/main" id="{66E1BD3B-43EF-7455-FCAE-4D0B68E67405}"/>
             </a:ext>
           </a:extLst>
@@ -5595,7 +5859,7 @@
             <a:fld id="{9EA0BE3B-158A-4EDF-80DC-E394A0D1600F}" type="slidenum">
               <a:rPr lang="en-US" smtClean="0"/>
               <a:pPr/>
-              <a:t>15</a:t>
+              <a:t>16</a:t>
             </a:fld>
             <a:endParaRPr lang="en-US" dirty="0"/>
           </a:p>
@@ -5700,7 +5964,7 @@
 </p:sld>
 </file>
 
-<file path=ppt/slides/slide16.xml><?xml version="1.0" encoding="utf-8"?>
+<file path=ppt/slides/slide17.xml><?xml version="1.0" encoding="utf-8"?>
 <p:sld xmlns:a="http://schemas.openxmlformats.org/drawingml/2006/main" xmlns:r="http://schemas.openxmlformats.org/officeDocument/2006/relationships" xmlns:p="http://schemas.openxmlformats.org/presentationml/2006/main">
   <p:cSld>
     <p:spTree>
@@ -5747,7 +6011,7 @@
             <a:fld id="{9EA0BE3B-158A-4EDF-80DC-E394A0D1600F}" type="slidenum">
               <a:rPr lang="en-US" smtClean="0"/>
               <a:pPr/>
-              <a:t>16</a:t>
+              <a:t>17</a:t>
             </a:fld>
             <a:endParaRPr lang="en-US" dirty="0"/>
           </a:p>
@@ -5823,7 +6087,7 @@
 </p:sld>
 </file>
 
-<file path=ppt/slides/slide17.xml><?xml version="1.0" encoding="utf-8"?>
+<file path=ppt/slides/slide18.xml><?xml version="1.0" encoding="utf-8"?>
 <p:sld xmlns:a="http://schemas.openxmlformats.org/drawingml/2006/main" xmlns:r="http://schemas.openxmlformats.org/officeDocument/2006/relationships" xmlns:p="http://schemas.openxmlformats.org/presentationml/2006/main">
   <p:cSld>
     <p:spTree>
@@ -5864,7 +6128,7 @@
             <a:fld id="{9EA0BE3B-158A-4EDF-80DC-E394A0D1600F}" type="slidenum">
               <a:rPr lang="en-US" smtClean="0"/>
               <a:pPr/>
-              <a:t>17</a:t>
+              <a:t>18</a:t>
             </a:fld>
             <a:endParaRPr lang="en-US" dirty="0"/>
           </a:p>
@@ -5895,21 +6159,44 @@
           </a:p>
         </p:txBody>
       </p:sp>
+      <p:sp>
+        <p:nvSpPr>
+          <p:cNvPr id="6" name="Content Placeholder 5">
+            <a:extLst>
+              <a:ext uri="{FF2B5EF4-FFF2-40B4-BE49-F238E27FC236}">
+                <a16:creationId xmlns:a16="http://schemas.microsoft.com/office/drawing/2014/main" id="{D30E1F29-3948-1B19-811A-5D0BCA275AF2}"/>
+              </a:ext>
+            </a:extLst>
+          </p:cNvPr>
+          <p:cNvSpPr>
+            <a:spLocks noGrp="1"/>
+          </p:cNvSpPr>
+          <p:nvPr>
+            <p:ph sz="quarter" idx="13"/>
+          </p:nvPr>
+        </p:nvSpPr>
+        <p:spPr/>
+        <p:txBody>
+          <a:bodyPr/>
+          <a:lstStyle/>
+          <a:p>
+            <a:endParaRPr lang="en-US" dirty="0"/>
+          </a:p>
+        </p:txBody>
+      </p:sp>
       <p:pic>
         <p:nvPicPr>
-          <p:cNvPr id="5" name="Content Placeholder 4" descr="A close-up of a yellow paper&#10;&#10;Description automatically generated">
+          <p:cNvPr id="8" name="Picture 7">
             <a:extLst>
               <a:ext uri="{FF2B5EF4-FFF2-40B4-BE49-F238E27FC236}">
-                <a16:creationId xmlns:a16="http://schemas.microsoft.com/office/drawing/2014/main" id="{B8E0D425-99A9-B2DF-600C-25EC5A5F4F9B}"/>
+                <a16:creationId xmlns:a16="http://schemas.microsoft.com/office/drawing/2014/main" id="{59F2DB51-20BD-353A-A573-C10B0181AE1A}"/>
               </a:ext>
             </a:extLst>
           </p:cNvPr>
           <p:cNvPicPr>
-            <a:picLocks noGrp="1" noChangeAspect="1"/>
+            <a:picLocks noChangeAspect="1"/>
           </p:cNvPicPr>
-          <p:nvPr>
-            <p:ph sz="quarter" idx="13"/>
-          </p:nvPr>
+          <p:nvPr/>
         </p:nvPicPr>
         <p:blipFill>
           <a:blip r:embed="rId2"/>
@@ -5919,8 +6206,8 @@
         </p:blipFill>
         <p:spPr>
           <a:xfrm>
-            <a:off x="234950" y="1918513"/>
-            <a:ext cx="8674100" cy="3149562"/>
+            <a:off x="0" y="2413932"/>
+            <a:ext cx="9144000" cy="2030136"/>
           </a:xfrm>
           <a:prstGeom prst="rect">
             <a:avLst/>
@@ -5940,7 +6227,7 @@
 </p:sld>
 </file>
 
-<file path=ppt/slides/slide18.xml><?xml version="1.0" encoding="utf-8"?>
+<file path=ppt/slides/slide19.xml><?xml version="1.0" encoding="utf-8"?>
 <p:sld xmlns:a="http://schemas.openxmlformats.org/drawingml/2006/main" xmlns:r="http://schemas.openxmlformats.org/officeDocument/2006/relationships" xmlns:p="http://schemas.openxmlformats.org/presentationml/2006/main">
   <p:cSld>
     <p:spTree>
@@ -5987,7 +6274,7 @@
             <a:fld id="{9EA0BE3B-158A-4EDF-80DC-E394A0D1600F}" type="slidenum">
               <a:rPr lang="en-US" smtClean="0"/>
               <a:pPr/>
-              <a:t>18</a:t>
+              <a:t>19</a:t>
             </a:fld>
             <a:endParaRPr lang="en-US" dirty="0"/>
           </a:p>
@@ -6121,155 +6408,6 @@
     <p:extLst>
       <p:ext uri="{BB962C8B-B14F-4D97-AF65-F5344CB8AC3E}">
         <p14:creationId xmlns:p14="http://schemas.microsoft.com/office/powerpoint/2010/main" val="1953877309"/>
-      </p:ext>
-    </p:extLst>
-  </p:cSld>
-  <p:clrMapOvr>
-    <a:masterClrMapping/>
-  </p:clrMapOvr>
-</p:sld>
-</file>
-
-<file path=ppt/slides/slide19.xml><?xml version="1.0" encoding="utf-8"?>
-<p:sld xmlns:a="http://schemas.openxmlformats.org/drawingml/2006/main" xmlns:r="http://schemas.openxmlformats.org/officeDocument/2006/relationships" xmlns:p="http://schemas.openxmlformats.org/presentationml/2006/main">
-  <p:cSld>
-    <p:spTree>
-      <p:nvGrpSpPr>
-        <p:cNvPr id="1" name="">
-          <a:extLst>
-            <a:ext uri="{FF2B5EF4-FFF2-40B4-BE49-F238E27FC236}">
-              <a16:creationId xmlns:a16="http://schemas.microsoft.com/office/drawing/2014/main" id="{723DD16C-C1FA-34EA-1ADD-7336D8478463}"/>
-            </a:ext>
-          </a:extLst>
-        </p:cNvPr>
-        <p:cNvGrpSpPr/>
-        <p:nvPr/>
-      </p:nvGrpSpPr>
-      <p:grpSpPr>
-        <a:xfrm>
-          <a:off x="0" y="0"/>
-          <a:ext cx="0" cy="0"/>
-          <a:chOff x="0" y="0"/>
-          <a:chExt cx="0" cy="0"/>
-        </a:xfrm>
-      </p:grpSpPr>
-      <p:sp>
-        <p:nvSpPr>
-          <p:cNvPr id="2" name="Slide Number Placeholder 1">
-            <a:extLst>
-              <a:ext uri="{FF2B5EF4-FFF2-40B4-BE49-F238E27FC236}">
-                <a16:creationId xmlns:a16="http://schemas.microsoft.com/office/drawing/2014/main" id="{CC4451DB-0E21-9675-7818-A58B5FF28857}"/>
-              </a:ext>
-            </a:extLst>
-          </p:cNvPr>
-          <p:cNvSpPr>
-            <a:spLocks noGrp="1"/>
-          </p:cNvSpPr>
-          <p:nvPr>
-            <p:ph type="sldNum" sz="quarter" idx="12"/>
-          </p:nvPr>
-        </p:nvSpPr>
-        <p:spPr/>
-        <p:txBody>
-          <a:bodyPr/>
-          <a:lstStyle/>
-          <a:p>
-            <a:fld id="{9EA0BE3B-158A-4EDF-80DC-E394A0D1600F}" type="slidenum">
-              <a:rPr lang="en-US" smtClean="0"/>
-              <a:pPr/>
-              <a:t>19</a:t>
-            </a:fld>
-            <a:endParaRPr lang="en-US" dirty="0"/>
-          </a:p>
-        </p:txBody>
-      </p:sp>
-      <p:sp>
-        <p:nvSpPr>
-          <p:cNvPr id="3" name="Title 2">
-            <a:extLst>
-              <a:ext uri="{FF2B5EF4-FFF2-40B4-BE49-F238E27FC236}">
-                <a16:creationId xmlns:a16="http://schemas.microsoft.com/office/drawing/2014/main" id="{85868353-6B48-599A-B24C-B2C63DE73C63}"/>
-              </a:ext>
-            </a:extLst>
-          </p:cNvPr>
-          <p:cNvSpPr>
-            <a:spLocks noGrp="1"/>
-          </p:cNvSpPr>
-          <p:nvPr>
-            <p:ph type="title"/>
-          </p:nvPr>
-        </p:nvSpPr>
-        <p:spPr/>
-        <p:txBody>
-          <a:bodyPr/>
-          <a:lstStyle/>
-          <a:p>
-            <a:endParaRPr lang="en-US" dirty="0"/>
-          </a:p>
-        </p:txBody>
-      </p:sp>
-      <p:sp>
-        <p:nvSpPr>
-          <p:cNvPr id="4" name="Content Placeholder 3">
-            <a:extLst>
-              <a:ext uri="{FF2B5EF4-FFF2-40B4-BE49-F238E27FC236}">
-                <a16:creationId xmlns:a16="http://schemas.microsoft.com/office/drawing/2014/main" id="{358BA611-4179-3DB5-5030-AC2EE54C5CAA}"/>
-              </a:ext>
-            </a:extLst>
-          </p:cNvPr>
-          <p:cNvSpPr>
-            <a:spLocks noGrp="1"/>
-          </p:cNvSpPr>
-          <p:nvPr>
-            <p:ph sz="quarter" idx="13"/>
-          </p:nvPr>
-        </p:nvSpPr>
-        <p:spPr/>
-        <p:txBody>
-          <a:bodyPr/>
-          <a:lstStyle/>
-          <a:p>
-            <a:r>
-              <a:rPr lang="en-US" dirty="0"/>
-              <a:t>Package Code</a:t>
-            </a:r>
-          </a:p>
-        </p:txBody>
-      </p:sp>
-      <p:pic>
-        <p:nvPicPr>
-          <p:cNvPr id="5" name="Hình ảnh 1" descr="Ảnh có chứa văn bản, ảnh chụp màn hình, biểu đồ, Song song&#10;&#10;Mô tả được tạo tự động">
-            <a:extLst>
-              <a:ext uri="{FF2B5EF4-FFF2-40B4-BE49-F238E27FC236}">
-                <a16:creationId xmlns:a16="http://schemas.microsoft.com/office/drawing/2014/main" id="{2518329C-745A-595E-D42D-63AC89E57F1F}"/>
-              </a:ext>
-            </a:extLst>
-          </p:cNvPr>
-          <p:cNvPicPr>
-            <a:picLocks noChangeAspect="1"/>
-          </p:cNvPicPr>
-          <p:nvPr/>
-        </p:nvPicPr>
-        <p:blipFill>
-          <a:blip r:embed="rId3"/>
-          <a:stretch>
-            <a:fillRect/>
-          </a:stretch>
-        </p:blipFill>
-        <p:spPr>
-          <a:xfrm>
-            <a:off x="2225154" y="1194218"/>
-            <a:ext cx="4693691" cy="4469563"/>
-          </a:xfrm>
-          <a:prstGeom prst="rect">
-            <a:avLst/>
-          </a:prstGeom>
-        </p:spPr>
-      </p:pic>
-    </p:spTree>
-    <p:extLst>
-      <p:ext uri="{BB962C8B-B14F-4D97-AF65-F5344CB8AC3E}">
-        <p14:creationId xmlns:p14="http://schemas.microsoft.com/office/powerpoint/2010/main" val="1139897194"/>
       </p:ext>
     </p:extLst>
   </p:cSld>
@@ -6565,8 +6703,13 @@
             </a:r>
             <a:r>
               <a:rPr lang="en-US" sz="2800" b="0" dirty="0"/>
-              <a:t> 2</a:t>
-            </a:r>
+              <a:t> </a:t>
+            </a:r>
+            <a:r>
+              <a:rPr lang="vi-VN" sz="2800" b="0" dirty="0"/>
+              <a:t>2.2</a:t>
+            </a:r>
+            <a:endParaRPr lang="en-US" sz="2800" b="0" dirty="0"/>
           </a:p>
           <a:p>
             <a:endParaRPr lang="en-US" sz="2800" b="0" dirty="0"/>
@@ -8118,130 +8261,290 @@
           <a:bodyPr/>
           <a:lstStyle/>
           <a:p>
+            <a:pPr marL="514350" indent="-514350">
+              <a:buAutoNum type="arabicPeriod"/>
+            </a:pPr>
+            <a:r>
+              <a:rPr lang="en-US" sz="2400" b="0" i="0" dirty="0" err="1">
+                <a:solidFill>
+                  <a:srgbClr val="000000"/>
+                </a:solidFill>
+                <a:effectLst/>
+              </a:rPr>
+              <a:t>Trần</a:t>
+            </a:r>
+            <a:r>
+              <a:rPr lang="en-US" sz="2400" b="0" i="0" dirty="0">
+                <a:solidFill>
+                  <a:srgbClr val="000000"/>
+                </a:solidFill>
+                <a:effectLst/>
+              </a:rPr>
+              <a:t> </a:t>
+            </a:r>
+            <a:r>
+              <a:rPr lang="en-US" sz="2400" b="0" i="0" dirty="0" err="1">
+                <a:solidFill>
+                  <a:srgbClr val="000000"/>
+                </a:solidFill>
+                <a:effectLst/>
+              </a:rPr>
+              <a:t>Đình</a:t>
+            </a:r>
+            <a:r>
+              <a:rPr lang="en-US" sz="2400" b="0" i="0" dirty="0">
+                <a:solidFill>
+                  <a:srgbClr val="000000"/>
+                </a:solidFill>
+                <a:effectLst/>
+              </a:rPr>
+              <a:t> Nhật Minh 20225746 (</a:t>
+            </a:r>
+            <a:r>
+              <a:rPr lang="vi-VN" sz="2400" b="0" i="0" dirty="0">
+                <a:solidFill>
+                  <a:srgbClr val="000000"/>
+                </a:solidFill>
+                <a:effectLst/>
+              </a:rPr>
+              <a:t>Làm </a:t>
+            </a:r>
+            <a:r>
+              <a:rPr lang="vi-VN" sz="2400" b="0" i="0" dirty="0" err="1">
+                <a:solidFill>
+                  <a:srgbClr val="000000"/>
+                </a:solidFill>
+                <a:effectLst/>
+              </a:rPr>
+              <a:t>package</a:t>
+            </a:r>
+            <a:r>
+              <a:rPr lang="vi-VN" sz="2400" b="0" i="0" dirty="0">
+                <a:solidFill>
+                  <a:srgbClr val="000000"/>
+                </a:solidFill>
+                <a:effectLst/>
+              </a:rPr>
+              <a:t> UI, tạo giao </a:t>
+            </a:r>
+            <a:r>
+              <a:rPr lang="vi-VN" sz="2400" b="0" i="0" dirty="0" err="1">
+                <a:solidFill>
+                  <a:srgbClr val="000000"/>
+                </a:solidFill>
+                <a:effectLst/>
+              </a:rPr>
+              <a:t>diện,tạo</a:t>
+            </a:r>
+            <a:r>
+              <a:rPr lang="vi-VN" sz="2400" b="0" i="0" dirty="0">
+                <a:solidFill>
+                  <a:srgbClr val="000000"/>
+                </a:solidFill>
+                <a:effectLst/>
+              </a:rPr>
+              <a:t> </a:t>
+            </a:r>
+            <a:r>
+              <a:rPr lang="vi-VN" sz="2400" b="0" i="0" dirty="0" err="1">
+                <a:solidFill>
+                  <a:srgbClr val="000000"/>
+                </a:solidFill>
+                <a:effectLst/>
+              </a:rPr>
+              <a:t>class</a:t>
+            </a:r>
+            <a:r>
+              <a:rPr lang="vi-VN" sz="2400" b="0" i="0" dirty="0">
+                <a:solidFill>
+                  <a:srgbClr val="000000"/>
+                </a:solidFill>
+                <a:effectLst/>
+              </a:rPr>
+              <a:t> </a:t>
+            </a:r>
+            <a:r>
+              <a:rPr lang="vi-VN" sz="2400" b="0" i="0" dirty="0" err="1">
+                <a:solidFill>
+                  <a:srgbClr val="000000"/>
+                </a:solidFill>
+                <a:effectLst/>
+              </a:rPr>
+              <a:t>Diagram</a:t>
+            </a:r>
+            <a:r>
+              <a:rPr lang="en-US" sz="2400" dirty="0">
+                <a:solidFill>
+                  <a:srgbClr val="000000"/>
+                </a:solidFill>
+              </a:rPr>
+              <a:t>)</a:t>
+            </a:r>
+            <a:endParaRPr lang="vi-VN" sz="2400" dirty="0">
+              <a:solidFill>
+                <a:srgbClr val="000000"/>
+              </a:solidFill>
+            </a:endParaRPr>
+          </a:p>
+          <a:p>
+            <a:pPr marL="514350" indent="-514350">
+              <a:buAutoNum type="arabicPeriod"/>
+            </a:pPr>
+            <a:endParaRPr lang="en-US" sz="2400" dirty="0"/>
+          </a:p>
+          <a:p>
             <a:pPr marL="0" indent="0">
               <a:buNone/>
             </a:pPr>
             <a:r>
-              <a:rPr lang="en-US" dirty="0"/>
-              <a:t>1. </a:t>
-            </a:r>
-            <a:r>
-              <a:rPr lang="en-US" b="0" i="0" dirty="0" err="1">
+              <a:rPr lang="en-US" sz="2400" dirty="0"/>
+              <a:t>2. </a:t>
+            </a:r>
+            <a:r>
+              <a:rPr lang="en-US" sz="2400" dirty="0" err="1"/>
+              <a:t>Nguyễn</a:t>
+            </a:r>
+            <a:r>
+              <a:rPr lang="en-US" sz="2400" dirty="0"/>
+              <a:t> Duy Khánh 20225845 </a:t>
+            </a:r>
+            <a:r>
+              <a:rPr lang="en-US" sz="2400" b="0" i="0" dirty="0">
                 <a:solidFill>
                   <a:srgbClr val="000000"/>
                 </a:solidFill>
                 <a:effectLst/>
               </a:rPr>
-              <a:t>Trần</a:t>
-            </a:r>
-            <a:r>
-              <a:rPr lang="en-US" b="0" i="0" dirty="0">
+              <a:t>(</a:t>
+            </a:r>
+            <a:r>
+              <a:rPr lang="vi-VN" sz="2400" b="0" i="0" dirty="0">
                 <a:solidFill>
                   <a:srgbClr val="000000"/>
                 </a:solidFill>
                 <a:effectLst/>
               </a:rPr>
-              <a:t> </a:t>
-            </a:r>
-            <a:r>
-              <a:rPr lang="en-US" b="0" i="0" dirty="0" err="1">
+              <a:t>Thiết kế </a:t>
+            </a:r>
+            <a:r>
+              <a:rPr lang="vi-VN" sz="2400" b="0" i="0" dirty="0" err="1">
                 <a:solidFill>
                   <a:srgbClr val="000000"/>
                 </a:solidFill>
                 <a:effectLst/>
               </a:rPr>
-              <a:t>Đình</a:t>
-            </a:r>
-            <a:r>
-              <a:rPr lang="en-US" b="0" i="0" dirty="0">
+              <a:t>database</a:t>
+            </a:r>
+            <a:r>
+              <a:rPr lang="vi-VN" sz="2400" b="0" i="0" dirty="0">
                 <a:solidFill>
                   <a:srgbClr val="000000"/>
                 </a:solidFill>
                 <a:effectLst/>
               </a:rPr>
-              <a:t> </a:t>
-            </a:r>
-            <a:r>
-              <a:rPr lang="en-US" b="0" i="0" dirty="0" err="1">
+              <a:t>, Làm </a:t>
+            </a:r>
+            <a:r>
+              <a:rPr lang="vi-VN" sz="2400" b="0" i="0" dirty="0" err="1">
                 <a:solidFill>
                   <a:srgbClr val="000000"/>
                 </a:solidFill>
                 <a:effectLst/>
               </a:rPr>
-              <a:t>Nhật</a:t>
-            </a:r>
-            <a:r>
-              <a:rPr lang="en-US" b="0" i="0" dirty="0">
+              <a:t>class</a:t>
+            </a:r>
+            <a:r>
+              <a:rPr lang="vi-VN" sz="2400" b="0" i="0" dirty="0">
                 <a:solidFill>
                   <a:srgbClr val="000000"/>
                 </a:solidFill>
                 <a:effectLst/>
               </a:rPr>
-              <a:t> Minh 20225746 (</a:t>
-            </a:r>
-            <a:r>
-              <a:rPr lang="en-US" dirty="0">
+              <a:t> </a:t>
+            </a:r>
+            <a:r>
+              <a:rPr lang="vi-VN" sz="2400" b="0" i="0" dirty="0" err="1">
                 <a:solidFill>
                   <a:srgbClr val="000000"/>
                 </a:solidFill>
-              </a:rPr>
-              <a:t>Insert roles here)</a:t>
-            </a:r>
-            <a:endParaRPr lang="en-US" dirty="0"/>
+                <a:effectLst/>
+              </a:rPr>
+              <a:t>Login</a:t>
+            </a:r>
+            <a:r>
+              <a:rPr lang="vi-VN" sz="2400" b="0" i="0" dirty="0">
+                <a:solidFill>
+                  <a:srgbClr val="000000"/>
+                </a:solidFill>
+                <a:effectLst/>
+              </a:rPr>
+              <a:t>, Vẽ </a:t>
+            </a:r>
+            <a:r>
+              <a:rPr lang="vi-VN" sz="2400" b="0" i="0" dirty="0" err="1">
+                <a:solidFill>
+                  <a:srgbClr val="000000"/>
+                </a:solidFill>
+                <a:effectLst/>
+              </a:rPr>
+              <a:t>usecase</a:t>
+            </a:r>
+            <a:r>
+              <a:rPr lang="vi-VN" sz="2400" b="0" i="0" dirty="0">
+                <a:solidFill>
+                  <a:srgbClr val="000000"/>
+                </a:solidFill>
+                <a:effectLst/>
+              </a:rPr>
+              <a:t> </a:t>
+            </a:r>
+            <a:r>
+              <a:rPr lang="vi-VN" sz="2400" b="0" i="0" dirty="0" err="1">
+                <a:solidFill>
+                  <a:srgbClr val="000000"/>
+                </a:solidFill>
+                <a:effectLst/>
+              </a:rPr>
+              <a:t>Diagram</a:t>
+            </a:r>
+            <a:r>
+              <a:rPr lang="en-US" sz="2400" dirty="0">
+                <a:solidFill>
+                  <a:srgbClr val="000000"/>
+                </a:solidFill>
+              </a:rPr>
+              <a:t>)</a:t>
+            </a:r>
+            <a:endParaRPr lang="vi-VN" sz="2400" dirty="0">
+              <a:solidFill>
+                <a:srgbClr val="000000"/>
+              </a:solidFill>
+            </a:endParaRPr>
           </a:p>
           <a:p>
             <a:pPr marL="0" indent="0">
               <a:buNone/>
             </a:pPr>
-            <a:r>
-              <a:rPr lang="en-US" dirty="0"/>
-              <a:t>2. </a:t>
-            </a:r>
-            <a:r>
-              <a:rPr lang="en-US" dirty="0" err="1"/>
-              <a:t>Nguyễn</a:t>
-            </a:r>
-            <a:r>
-              <a:rPr lang="en-US" dirty="0"/>
-              <a:t> Duy Khánh 20225845 </a:t>
-            </a:r>
-            <a:r>
-              <a:rPr lang="en-US" b="0" i="0" dirty="0">
-                <a:solidFill>
-                  <a:srgbClr val="000000"/>
-                </a:solidFill>
-                <a:effectLst/>
-              </a:rPr>
-              <a:t>(</a:t>
-            </a:r>
-            <a:r>
-              <a:rPr lang="en-US" dirty="0">
-                <a:solidFill>
-                  <a:srgbClr val="000000"/>
-                </a:solidFill>
-              </a:rPr>
-              <a:t>Insert roles here)</a:t>
-            </a:r>
-            <a:endParaRPr lang="en-US" dirty="0"/>
+            <a:endParaRPr lang="en-US" sz="2400" dirty="0"/>
           </a:p>
           <a:p>
             <a:pPr marL="0" indent="0">
               <a:buNone/>
             </a:pPr>
             <a:r>
-              <a:rPr lang="en-US" dirty="0"/>
+              <a:rPr lang="en-US" sz="2400" dirty="0"/>
               <a:t>3. </a:t>
             </a:r>
             <a:r>
-              <a:rPr lang="en-US" dirty="0" err="1"/>
+              <a:rPr lang="en-US" sz="2400" dirty="0" err="1"/>
               <a:t>Nguyễn</a:t>
             </a:r>
             <a:r>
-              <a:rPr lang="en-US" dirty="0"/>
+              <a:rPr lang="en-US" sz="2400" dirty="0"/>
               <a:t> Huy Hoàng 20225845 </a:t>
             </a:r>
             <a:r>
-              <a:rPr lang="en-US" b="0" i="0" dirty="0">
+              <a:rPr lang="en-US" sz="2400" b="0" i="0" dirty="0">
                 <a:solidFill>
                   <a:srgbClr val="000000"/>
                 </a:solidFill>
@@ -8250,76 +8553,195 @@
               <a:t>(</a:t>
             </a:r>
             <a:r>
-              <a:rPr lang="en-US" dirty="0">
+              <a:rPr lang="vi-VN" sz="2400" b="0" i="0" dirty="0">
                 <a:solidFill>
                   <a:srgbClr val="000000"/>
                 </a:solidFill>
-              </a:rPr>
-              <a:t>Insert roles here)</a:t>
-            </a:r>
-            <a:endParaRPr lang="en-US" dirty="0"/>
+                <a:effectLst/>
+              </a:rPr>
+              <a:t>Làm </a:t>
+            </a:r>
+            <a:r>
+              <a:rPr lang="vi-VN" sz="2400" b="0" i="0" dirty="0" err="1">
+                <a:solidFill>
+                  <a:srgbClr val="000000"/>
+                </a:solidFill>
+                <a:effectLst/>
+              </a:rPr>
+              <a:t>Slide</a:t>
+            </a:r>
+            <a:r>
+              <a:rPr lang="vi-VN" sz="2400" b="0" i="0" dirty="0">
+                <a:solidFill>
+                  <a:srgbClr val="000000"/>
+                </a:solidFill>
+                <a:effectLst/>
+              </a:rPr>
+              <a:t>, làm </a:t>
+            </a:r>
+            <a:r>
+              <a:rPr lang="vi-VN" sz="2400" b="0" i="0" dirty="0" err="1">
+                <a:solidFill>
+                  <a:srgbClr val="000000"/>
+                </a:solidFill>
+                <a:effectLst/>
+              </a:rPr>
+              <a:t>Database</a:t>
+            </a:r>
+            <a:r>
+              <a:rPr lang="en-US" sz="2400" dirty="0">
+                <a:solidFill>
+                  <a:srgbClr val="000000"/>
+                </a:solidFill>
+              </a:rPr>
+              <a:t>)</a:t>
+            </a:r>
+            <a:endParaRPr lang="vi-VN" sz="2400" dirty="0">
+              <a:solidFill>
+                <a:srgbClr val="000000"/>
+              </a:solidFill>
+            </a:endParaRPr>
           </a:p>
           <a:p>
             <a:pPr marL="0" indent="0">
               <a:buNone/>
             </a:pPr>
-            <a:r>
-              <a:rPr lang="en-US" dirty="0"/>
-              <a:t>4. Phan </a:t>
-            </a:r>
-            <a:r>
-              <a:rPr lang="en-US" dirty="0" err="1"/>
-              <a:t>Hồng</a:t>
-            </a:r>
-            <a:r>
-              <a:rPr lang="en-US" dirty="0"/>
-              <a:t> Minh 20225888 </a:t>
-            </a:r>
-            <a:r>
-              <a:rPr lang="en-US" b="0" i="0" dirty="0">
-                <a:solidFill>
-                  <a:srgbClr val="000000"/>
-                </a:solidFill>
-                <a:effectLst/>
-              </a:rPr>
-              <a:t>(</a:t>
-            </a:r>
-            <a:r>
-              <a:rPr lang="en-US" dirty="0">
-                <a:solidFill>
-                  <a:srgbClr val="000000"/>
-                </a:solidFill>
-              </a:rPr>
-              <a:t>Insert roles here)</a:t>
-            </a:r>
-            <a:endParaRPr lang="en-US" dirty="0"/>
+            <a:endParaRPr lang="en-US" sz="2400" dirty="0"/>
           </a:p>
           <a:p>
             <a:pPr marL="0" indent="0">
               <a:buNone/>
             </a:pPr>
             <a:r>
-              <a:rPr lang="en-US" dirty="0"/>
+              <a:rPr lang="en-US" sz="2400" dirty="0"/>
+              <a:t>4. Phan </a:t>
+            </a:r>
+            <a:r>
+              <a:rPr lang="en-US" sz="2400" dirty="0" err="1"/>
+              <a:t>Hồng</a:t>
+            </a:r>
+            <a:r>
+              <a:rPr lang="en-US" sz="2400" dirty="0"/>
+              <a:t> Minh 20225888 </a:t>
+            </a:r>
+            <a:r>
+              <a:rPr lang="en-US" sz="2400" b="0" i="0" dirty="0">
+                <a:solidFill>
+                  <a:srgbClr val="000000"/>
+                </a:solidFill>
+                <a:effectLst/>
+              </a:rPr>
+              <a:t>(</a:t>
+            </a:r>
+            <a:r>
+              <a:rPr lang="vi-VN" sz="2400" b="0" i="0" dirty="0" err="1">
+                <a:solidFill>
+                  <a:srgbClr val="000000"/>
+                </a:solidFill>
+                <a:effectLst/>
+              </a:rPr>
+              <a:t>Connect</a:t>
+            </a:r>
+            <a:r>
+              <a:rPr lang="vi-VN" sz="2400" b="0" i="0" dirty="0">
+                <a:solidFill>
+                  <a:srgbClr val="000000"/>
+                </a:solidFill>
+                <a:effectLst/>
+              </a:rPr>
+              <a:t> </a:t>
+            </a:r>
+            <a:r>
+              <a:rPr lang="vi-VN" sz="2400" b="0" i="0" dirty="0" err="1">
+                <a:solidFill>
+                  <a:srgbClr val="000000"/>
+                </a:solidFill>
+                <a:effectLst/>
+              </a:rPr>
+              <a:t>database,làm</a:t>
+            </a:r>
+            <a:r>
+              <a:rPr lang="vi-VN" sz="2400" b="0" i="0" dirty="0">
+                <a:solidFill>
+                  <a:srgbClr val="000000"/>
+                </a:solidFill>
+                <a:effectLst/>
+              </a:rPr>
+              <a:t> </a:t>
+            </a:r>
+            <a:r>
+              <a:rPr lang="vi-VN" sz="2400" b="0" i="0" dirty="0" err="1">
+                <a:solidFill>
+                  <a:srgbClr val="000000"/>
+                </a:solidFill>
+                <a:effectLst/>
+              </a:rPr>
+              <a:t>packagde</a:t>
+            </a:r>
+            <a:r>
+              <a:rPr lang="vi-VN" sz="2400" b="0" i="0" dirty="0">
+                <a:solidFill>
+                  <a:srgbClr val="000000"/>
+                </a:solidFill>
+                <a:effectLst/>
+              </a:rPr>
+              <a:t> </a:t>
+            </a:r>
+            <a:r>
+              <a:rPr lang="vi-VN" sz="2400" b="0" i="0" dirty="0" err="1">
+                <a:solidFill>
+                  <a:srgbClr val="000000"/>
+                </a:solidFill>
+                <a:effectLst/>
+              </a:rPr>
+              <a:t>code</a:t>
+            </a:r>
+            <a:r>
+              <a:rPr lang="en-US" sz="2400" dirty="0">
+                <a:solidFill>
+                  <a:srgbClr val="000000"/>
+                </a:solidFill>
+              </a:rPr>
+              <a:t>)</a:t>
+            </a:r>
+            <a:endParaRPr lang="vi-VN" sz="2400" dirty="0">
+              <a:solidFill>
+                <a:srgbClr val="000000"/>
+              </a:solidFill>
+            </a:endParaRPr>
+          </a:p>
+          <a:p>
+            <a:pPr marL="0" indent="0">
+              <a:buNone/>
+            </a:pPr>
+            <a:endParaRPr lang="en-US" sz="2400" dirty="0"/>
+          </a:p>
+          <a:p>
+            <a:pPr marL="0" indent="0">
+              <a:buNone/>
+            </a:pPr>
+            <a:r>
+              <a:rPr lang="en-US" sz="2400" dirty="0"/>
               <a:t>5. </a:t>
             </a:r>
             <a:r>
-              <a:rPr lang="en-US" dirty="0" err="1"/>
+              <a:rPr lang="en-US" sz="2400" dirty="0" err="1"/>
               <a:t>Trần</a:t>
             </a:r>
             <a:r>
-              <a:rPr lang="en-US" dirty="0"/>
-              <a:t> </a:t>
-            </a:r>
-            <a:r>
-              <a:rPr lang="en-US" dirty="0" err="1"/>
+              <a:rPr lang="en-US" sz="2400" dirty="0"/>
+              <a:t> </a:t>
+            </a:r>
+            <a:r>
+              <a:rPr lang="en-US" sz="2400" dirty="0" err="1"/>
               <a:t>Công</a:t>
             </a:r>
             <a:r>
-              <a:rPr lang="en-US" dirty="0"/>
+              <a:rPr lang="en-US" sz="2400" dirty="0"/>
               <a:t> Minh 20225745 </a:t>
             </a:r>
             <a:r>
-              <a:rPr lang="en-US" b="0" i="0" dirty="0">
+              <a:rPr lang="en-US" sz="2400" b="0" i="0" dirty="0">
                 <a:solidFill>
                   <a:srgbClr val="000000"/>
                 </a:solidFill>
@@ -8328,14 +8750,41 @@
               <a:t>(</a:t>
             </a:r>
             <a:r>
-              <a:rPr lang="en-US" dirty="0">
+              <a:rPr lang="vi-VN" sz="2400" b="0" i="0" dirty="0">
                 <a:solidFill>
                   <a:srgbClr val="000000"/>
                 </a:solidFill>
-              </a:rPr>
-              <a:t>Insert roles here)</a:t>
-            </a:r>
-            <a:endParaRPr lang="en-US" dirty="0"/>
+                <a:effectLst/>
+              </a:rPr>
+              <a:t>Hỗ trợ làm </a:t>
+            </a:r>
+            <a:r>
+              <a:rPr lang="vi-VN" sz="2400" b="0" i="0" dirty="0" err="1">
+                <a:solidFill>
+                  <a:srgbClr val="000000"/>
+                </a:solidFill>
+                <a:effectLst/>
+              </a:rPr>
+              <a:t>package</a:t>
+            </a:r>
+            <a:r>
+              <a:rPr lang="vi-VN" sz="2400" b="0" i="0" dirty="0">
+                <a:solidFill>
+                  <a:srgbClr val="000000"/>
+                </a:solidFill>
+                <a:effectLst/>
+              </a:rPr>
+              <a:t> UI</a:t>
+            </a:r>
+            <a:r>
+              <a:rPr lang="en-US" sz="2400" dirty="0">
+                <a:solidFill>
+                  <a:srgbClr val="000000"/>
+                </a:solidFill>
+              </a:rPr>
+              <a:t>)</a:t>
+            </a:r>
+            <a:endParaRPr lang="en-US" sz="2400" dirty="0"/>
           </a:p>
         </p:txBody>
       </p:sp>
@@ -9731,37 +10180,6 @@
               <a:t>,...).</a:t>
             </a:r>
             <a:endParaRPr lang="en-US" sz="1100" dirty="0">
-              <a:effectLst/>
-              <a:latin typeface="Arial" panose="020B0604020202020204" pitchFamily="34" charset="0"/>
-              <a:ea typeface="Arial" panose="020B0604020202020204" pitchFamily="34" charset="0"/>
-              <a:cs typeface="Times New Roman" panose="02020603050405020304" pitchFamily="18" charset="0"/>
-            </a:endParaRPr>
-          </a:p>
-          <a:p>
-            <a:pPr>
-              <a:lnSpc>
-                <a:spcPct val="200000"/>
-              </a:lnSpc>
-            </a:pPr>
-            <a:r>
-              <a:rPr lang="vi-VN" sz="1800" i="1" dirty="0">
-                <a:effectLst/>
-                <a:latin typeface="Arial" panose="020B0604020202020204" pitchFamily="34" charset="0"/>
-                <a:ea typeface="Arial" panose="020B0604020202020204" pitchFamily="34" charset="0"/>
-                <a:cs typeface="Times New Roman" panose="02020603050405020304" pitchFamily="18" charset="0"/>
-              </a:rPr>
-              <a:t>Các chức năng chính</a:t>
-            </a:r>
-            <a:r>
-              <a:rPr lang="vi-VN" sz="1800" b="1" dirty="0">
-                <a:effectLst/>
-                <a:latin typeface="Arial" panose="020B0604020202020204" pitchFamily="34" charset="0"/>
-                <a:ea typeface="Arial" panose="020B0604020202020204" pitchFamily="34" charset="0"/>
-                <a:cs typeface="Times New Roman" panose="02020603050405020304" pitchFamily="18" charset="0"/>
-              </a:rPr>
-              <a:t>:</a:t>
-            </a:r>
-            <a:endParaRPr lang="en-US" sz="1800" dirty="0">
               <a:effectLst/>
               <a:latin typeface="Arial" panose="020B0604020202020204" pitchFamily="34" charset="0"/>
               <a:ea typeface="Arial" panose="020B0604020202020204" pitchFamily="34" charset="0"/>

--- a/Báo cáo OOP.pptx
+++ b/Báo cáo OOP.pptx
@@ -13,8 +13,8 @@
   <p:sldIdLst>
     <p:sldId id="275" r:id="rId2"/>
     <p:sldId id="257" r:id="rId3"/>
-    <p:sldId id="265" r:id="rId4"/>
-    <p:sldId id="297" r:id="rId5"/>
+    <p:sldId id="297" r:id="rId4"/>
+    <p:sldId id="265" r:id="rId5"/>
     <p:sldId id="266" r:id="rId6"/>
     <p:sldId id="293" r:id="rId7"/>
     <p:sldId id="294" r:id="rId8"/>
@@ -145,7 +145,7 @@
 <file path=ppt/revisionInfo.xml><?xml version="1.0" encoding="utf-8"?>
 <p1510:revInfo xmlns:a="http://schemas.openxmlformats.org/drawingml/2006/main" xmlns:r="http://schemas.openxmlformats.org/officeDocument/2006/relationships" xmlns:p1510="http://schemas.microsoft.com/office/powerpoint/2015/10/main">
   <p1510:revLst>
-    <p1510:client id="{DC50F419-B6A9-48CC-8C05-AAA3BB7B5788}" v="6" dt="2024-12-25T00:00:46.041"/>
+    <p1510:client id="{DC50F419-B6A9-48CC-8C05-AAA3BB7B5788}" v="8" dt="2024-12-25T17:10:42.654"/>
   </p1510:revLst>
 </p1510:revInfo>
 </file>
@@ -155,7 +155,7 @@
   <pc:docChgLst>
     <pc:chgData name="Nhật Minh" userId="3ef21478a3525a9e" providerId="LiveId" clId="{DC50F419-B6A9-48CC-8C05-AAA3BB7B5788}"/>
     <pc:docChg chg="undo custSel modSld sldOrd">
-      <pc:chgData name="Nhật Minh" userId="3ef21478a3525a9e" providerId="LiveId" clId="{DC50F419-B6A9-48CC-8C05-AAA3BB7B5788}" dt="2024-12-25T01:26:08.149" v="702" actId="22"/>
+      <pc:chgData name="Nhật Minh" userId="3ef21478a3525a9e" providerId="LiveId" clId="{DC50F419-B6A9-48CC-8C05-AAA3BB7B5788}" dt="2024-12-25T17:27:34.878" v="801" actId="20577"/>
       <pc:docMkLst>
         <pc:docMk/>
       </pc:docMkLst>
@@ -174,18 +174,71 @@
           </ac:spMkLst>
         </pc:spChg>
       </pc:sldChg>
+      <pc:sldChg chg="modSp mod ord">
+        <pc:chgData name="Nhật Minh" userId="3ef21478a3525a9e" providerId="LiveId" clId="{DC50F419-B6A9-48CC-8C05-AAA3BB7B5788}" dt="2024-12-25T01:38:26.743" v="733" actId="20577"/>
+        <pc:sldMkLst>
+          <pc:docMk/>
+          <pc:sldMk cId="292364014" sldId="265"/>
+        </pc:sldMkLst>
+        <pc:spChg chg="mod">
+          <ac:chgData name="Nhật Minh" userId="3ef21478a3525a9e" providerId="LiveId" clId="{DC50F419-B6A9-48CC-8C05-AAA3BB7B5788}" dt="2024-12-25T01:38:26.743" v="733" actId="20577"/>
+          <ac:spMkLst>
+            <pc:docMk/>
+            <pc:sldMk cId="292364014" sldId="265"/>
+            <ac:spMk id="4" creationId="{59563378-38F8-4CB3-AF99-2C56FCF55404}"/>
+          </ac:spMkLst>
+        </pc:spChg>
+      </pc:sldChg>
       <pc:sldChg chg="modSp mod">
-        <pc:chgData name="Nhật Minh" userId="3ef21478a3525a9e" providerId="LiveId" clId="{DC50F419-B6A9-48CC-8C05-AAA3BB7B5788}" dt="2024-12-24T23:58:31.137" v="407" actId="20577"/>
+        <pc:chgData name="Nhật Minh" userId="3ef21478a3525a9e" providerId="LiveId" clId="{DC50F419-B6A9-48CC-8C05-AAA3BB7B5788}" dt="2024-12-25T01:38:16.051" v="732" actId="20577"/>
         <pc:sldMkLst>
           <pc:docMk/>
           <pc:sldMk cId="2751358436" sldId="266"/>
         </pc:sldMkLst>
+        <pc:spChg chg="mod">
+          <ac:chgData name="Nhật Minh" userId="3ef21478a3525a9e" providerId="LiveId" clId="{DC50F419-B6A9-48CC-8C05-AAA3BB7B5788}" dt="2024-12-25T01:38:16.051" v="732" actId="20577"/>
+          <ac:spMkLst>
+            <pc:docMk/>
+            <pc:sldMk cId="2751358436" sldId="266"/>
+            <ac:spMk id="3" creationId="{F39C6F49-1887-4BE4-A583-FB79B8A22935}"/>
+          </ac:spMkLst>
+        </pc:spChg>
         <pc:spChg chg="mod">
           <ac:chgData name="Nhật Minh" userId="3ef21478a3525a9e" providerId="LiveId" clId="{DC50F419-B6A9-48CC-8C05-AAA3BB7B5788}" dt="2024-12-24T23:58:31.137" v="407" actId="20577"/>
           <ac:spMkLst>
             <pc:docMk/>
             <pc:sldMk cId="2751358436" sldId="266"/>
             <ac:spMk id="4" creationId="{BC311219-8684-45FC-A126-E067924AC7F7}"/>
+          </ac:spMkLst>
+        </pc:spChg>
+      </pc:sldChg>
+      <pc:sldChg chg="modSp mod">
+        <pc:chgData name="Nhật Minh" userId="3ef21478a3525a9e" providerId="LiveId" clId="{DC50F419-B6A9-48CC-8C05-AAA3BB7B5788}" dt="2024-12-25T01:38:34.745" v="735" actId="20577"/>
+        <pc:sldMkLst>
+          <pc:docMk/>
+          <pc:sldMk cId="2852889589" sldId="281"/>
+        </pc:sldMkLst>
+        <pc:spChg chg="mod">
+          <ac:chgData name="Nhật Minh" userId="3ef21478a3525a9e" providerId="LiveId" clId="{DC50F419-B6A9-48CC-8C05-AAA3BB7B5788}" dt="2024-12-25T01:38:34.745" v="735" actId="20577"/>
+          <ac:spMkLst>
+            <pc:docMk/>
+            <pc:sldMk cId="2852889589" sldId="281"/>
+            <ac:spMk id="3" creationId="{408CF499-D5E9-EDDA-A64B-6E142B1AECFE}"/>
+          </ac:spMkLst>
+        </pc:spChg>
+      </pc:sldChg>
+      <pc:sldChg chg="modSp mod">
+        <pc:chgData name="Nhật Minh" userId="3ef21478a3525a9e" providerId="LiveId" clId="{DC50F419-B6A9-48CC-8C05-AAA3BB7B5788}" dt="2024-12-25T17:10:42.654" v="786"/>
+        <pc:sldMkLst>
+          <pc:docMk/>
+          <pc:sldMk cId="4145214078" sldId="286"/>
+        </pc:sldMkLst>
+        <pc:spChg chg="mod">
+          <ac:chgData name="Nhật Minh" userId="3ef21478a3525a9e" providerId="LiveId" clId="{DC50F419-B6A9-48CC-8C05-AAA3BB7B5788}" dt="2024-12-25T17:10:42.654" v="786"/>
+          <ac:spMkLst>
+            <pc:docMk/>
+            <pc:sldMk cId="4145214078" sldId="286"/>
+            <ac:spMk id="4" creationId="{3011D358-CC23-3D86-E80B-73DD307E18CD}"/>
           </ac:spMkLst>
         </pc:spChg>
       </pc:sldChg>
@@ -204,13 +257,36 @@
         </pc:sldMkLst>
       </pc:sldChg>
       <pc:sldChg chg="modSp mod">
-        <pc:chgData name="Nhật Minh" userId="3ef21478a3525a9e" providerId="LiveId" clId="{DC50F419-B6A9-48CC-8C05-AAA3BB7B5788}" dt="2024-12-25T00:14:06.975" v="694" actId="20577"/>
+        <pc:chgData name="Nhật Minh" userId="3ef21478a3525a9e" providerId="LiveId" clId="{DC50F419-B6A9-48CC-8C05-AAA3BB7B5788}" dt="2024-12-25T01:39:08.824" v="769" actId="20577"/>
+        <pc:sldMkLst>
+          <pc:docMk/>
+          <pc:sldMk cId="2669862759" sldId="293"/>
+        </pc:sldMkLst>
+        <pc:spChg chg="mod">
+          <ac:chgData name="Nhật Minh" userId="3ef21478a3525a9e" providerId="LiveId" clId="{DC50F419-B6A9-48CC-8C05-AAA3BB7B5788}" dt="2024-12-25T01:39:08.824" v="769" actId="20577"/>
+          <ac:spMkLst>
+            <pc:docMk/>
+            <pc:sldMk cId="2669862759" sldId="293"/>
+            <ac:spMk id="3" creationId="{A60C8BC8-2C3F-CA5A-77F1-A551C84C855B}"/>
+          </ac:spMkLst>
+        </pc:spChg>
+      </pc:sldChg>
+      <pc:sldChg chg="modSp mod ord">
+        <pc:chgData name="Nhật Minh" userId="3ef21478a3525a9e" providerId="LiveId" clId="{DC50F419-B6A9-48CC-8C05-AAA3BB7B5788}" dt="2024-12-25T01:37:51.362" v="726" actId="20577"/>
         <pc:sldMkLst>
           <pc:docMk/>
           <pc:sldMk cId="3650046006" sldId="297"/>
         </pc:sldMkLst>
         <pc:spChg chg="mod">
-          <ac:chgData name="Nhật Minh" userId="3ef21478a3525a9e" providerId="LiveId" clId="{DC50F419-B6A9-48CC-8C05-AAA3BB7B5788}" dt="2024-12-25T00:14:06.975" v="694" actId="20577"/>
+          <ac:chgData name="Nhật Minh" userId="3ef21478a3525a9e" providerId="LiveId" clId="{DC50F419-B6A9-48CC-8C05-AAA3BB7B5788}" dt="2024-12-25T01:37:51.362" v="726" actId="20577"/>
+          <ac:spMkLst>
+            <pc:docMk/>
+            <pc:sldMk cId="3650046006" sldId="297"/>
+            <ac:spMk id="3" creationId="{3C163F30-AAAD-345E-9D77-2681EB32B9EF}"/>
+          </ac:spMkLst>
+        </pc:spChg>
+        <pc:spChg chg="mod">
+          <ac:chgData name="Nhật Minh" userId="3ef21478a3525a9e" providerId="LiveId" clId="{DC50F419-B6A9-48CC-8C05-AAA3BB7B5788}" dt="2024-12-25T01:37:09.818" v="723" actId="20577"/>
           <ac:spMkLst>
             <pc:docMk/>
             <pc:sldMk cId="3650046006" sldId="297"/>
@@ -218,20 +294,43 @@
           </ac:spMkLst>
         </pc:spChg>
       </pc:sldChg>
+      <pc:sldChg chg="modSp mod">
+        <pc:chgData name="Nhật Minh" userId="3ef21478a3525a9e" providerId="LiveId" clId="{DC50F419-B6A9-48CC-8C05-AAA3BB7B5788}" dt="2024-12-25T01:39:23.223" v="782" actId="20577"/>
+        <pc:sldMkLst>
+          <pc:docMk/>
+          <pc:sldMk cId="622331715" sldId="298"/>
+        </pc:sldMkLst>
+        <pc:spChg chg="mod">
+          <ac:chgData name="Nhật Minh" userId="3ef21478a3525a9e" providerId="LiveId" clId="{DC50F419-B6A9-48CC-8C05-AAA3BB7B5788}" dt="2024-12-25T01:39:23.223" v="782" actId="20577"/>
+          <ac:spMkLst>
+            <pc:docMk/>
+            <pc:sldMk cId="622331715" sldId="298"/>
+            <ac:spMk id="3" creationId="{459CB1F4-C444-31DE-AB78-C8A5294E434E}"/>
+          </ac:spMkLst>
+        </pc:spChg>
+      </pc:sldChg>
       <pc:sldChg chg="addSp delSp modSp mod">
-        <pc:chgData name="Nhật Minh" userId="3ef21478a3525a9e" providerId="LiveId" clId="{DC50F419-B6A9-48CC-8C05-AAA3BB7B5788}" dt="2024-12-25T01:26:08.149" v="702" actId="22"/>
+        <pc:chgData name="Nhật Minh" userId="3ef21478a3525a9e" providerId="LiveId" clId="{DC50F419-B6A9-48CC-8C05-AAA3BB7B5788}" dt="2024-12-25T17:27:34.878" v="801" actId="20577"/>
         <pc:sldMkLst>
           <pc:docMk/>
           <pc:sldMk cId="741635199" sldId="299"/>
         </pc:sldMkLst>
         <pc:spChg chg="add mod">
-          <ac:chgData name="Nhật Minh" userId="3ef21478a3525a9e" providerId="LiveId" clId="{DC50F419-B6A9-48CC-8C05-AAA3BB7B5788}" dt="2024-12-25T01:26:07.869" v="701" actId="478"/>
+          <ac:chgData name="Nhật Minh" userId="3ef21478a3525a9e" providerId="LiveId" clId="{DC50F419-B6A9-48CC-8C05-AAA3BB7B5788}" dt="2024-12-25T17:27:34.878" v="801" actId="20577"/>
           <ac:spMkLst>
             <pc:docMk/>
             <pc:sldMk cId="741635199" sldId="299"/>
             <ac:spMk id="6" creationId="{D30E1F29-3948-1B19-811A-5D0BCA275AF2}"/>
           </ac:spMkLst>
         </pc:spChg>
+        <pc:picChg chg="add">
+          <ac:chgData name="Nhật Minh" userId="3ef21478a3525a9e" providerId="LiveId" clId="{DC50F419-B6A9-48CC-8C05-AAA3BB7B5788}" dt="2024-12-25T17:27:25.453" v="788" actId="22"/>
+          <ac:picMkLst>
+            <pc:docMk/>
+            <pc:sldMk cId="741635199" sldId="299"/>
+            <ac:picMk id="5" creationId="{338A3D93-0B9E-7255-0E56-65E1AFCAA3D2}"/>
+          </ac:picMkLst>
+        </pc:picChg>
         <pc:picChg chg="del">
           <ac:chgData name="Nhật Minh" userId="3ef21478a3525a9e" providerId="LiveId" clId="{DC50F419-B6A9-48CC-8C05-AAA3BB7B5788}" dt="2024-12-25T01:26:07.869" v="701" actId="478"/>
           <ac:picMkLst>
@@ -240,14 +339,29 @@
             <ac:picMk id="5" creationId="{B8E0D425-99A9-B2DF-600C-25EC5A5F4F9B}"/>
           </ac:picMkLst>
         </pc:picChg>
-        <pc:picChg chg="add">
-          <ac:chgData name="Nhật Minh" userId="3ef21478a3525a9e" providerId="LiveId" clId="{DC50F419-B6A9-48CC-8C05-AAA3BB7B5788}" dt="2024-12-25T01:26:08.149" v="702" actId="22"/>
+        <pc:picChg chg="add del">
+          <ac:chgData name="Nhật Minh" userId="3ef21478a3525a9e" providerId="LiveId" clId="{DC50F419-B6A9-48CC-8C05-AAA3BB7B5788}" dt="2024-12-25T17:27:24.751" v="787" actId="478"/>
           <ac:picMkLst>
             <pc:docMk/>
             <pc:sldMk cId="741635199" sldId="299"/>
             <ac:picMk id="8" creationId="{59F2DB51-20BD-353A-A573-C10B0181AE1A}"/>
           </ac:picMkLst>
         </pc:picChg>
+      </pc:sldChg>
+      <pc:sldChg chg="modSp mod">
+        <pc:chgData name="Nhật Minh" userId="3ef21478a3525a9e" providerId="LiveId" clId="{DC50F419-B6A9-48CC-8C05-AAA3BB7B5788}" dt="2024-12-25T01:38:43.677" v="738" actId="20577"/>
+        <pc:sldMkLst>
+          <pc:docMk/>
+          <pc:sldMk cId="2252359935" sldId="300"/>
+        </pc:sldMkLst>
+        <pc:spChg chg="mod">
+          <ac:chgData name="Nhật Minh" userId="3ef21478a3525a9e" providerId="LiveId" clId="{DC50F419-B6A9-48CC-8C05-AAA3BB7B5788}" dt="2024-12-25T01:38:43.677" v="738" actId="20577"/>
+          <ac:spMkLst>
+            <pc:docMk/>
+            <pc:sldMk cId="2252359935" sldId="300"/>
+            <ac:spMk id="3" creationId="{2431D158-9684-5856-D7FD-6FF2ABEFD3D7}"/>
+          </ac:spMkLst>
+        </pc:spChg>
       </pc:sldChg>
     </pc:docChg>
   </pc:docChgLst>
@@ -348,7 +462,7 @@
           <a:p>
             <a:fld id="{48B45424-6BAC-416C-8F6C-5F9DE854A36B}" type="datetimeFigureOut">
               <a:rPr lang="en-US" smtClean="0"/>
-              <a:t>12/25/2024</a:t>
+              <a:t>12/26/2024</a:t>
             </a:fld>
             <a:endParaRPr lang="en-US"/>
           </a:p>
@@ -526,7 +640,7 @@
           <a:p>
             <a:fld id="{6B733702-C25A-40B9-9167-54BAA79B29B0}" type="datetimeFigureOut">
               <a:rPr lang="en-US" smtClean="0"/>
-              <a:t>12/25/2024</a:t>
+              <a:t>12/26/2024</a:t>
             </a:fld>
             <a:endParaRPr lang="en-US"/>
           </a:p>
@@ -998,7 +1112,7 @@
             <a:fld id="{F70EAA40-3A53-4A3D-924A-D38F1059C7D5}" type="datetime1">
               <a:rPr lang="en-US" smtClean="0"/>
               <a:pPr/>
-              <a:t>12/25/2024</a:t>
+              <a:t>12/26/2024</a:t>
             </a:fld>
             <a:endParaRPr lang="en-US"/>
           </a:p>
@@ -1228,7 +1342,7 @@
             <a:fld id="{F70EAA40-3A53-4A3D-924A-D38F1059C7D5}" type="datetime1">
               <a:rPr lang="en-US" smtClean="0"/>
               <a:pPr/>
-              <a:t>12/25/2024</a:t>
+              <a:t>12/26/2024</a:t>
             </a:fld>
             <a:endParaRPr lang="en-US"/>
           </a:p>
@@ -1562,7 +1676,7 @@
             <a:fld id="{F70EAA40-3A53-4A3D-924A-D38F1059C7D5}" type="datetime1">
               <a:rPr lang="en-US" smtClean="0"/>
               <a:pPr/>
-              <a:t>12/25/2024</a:t>
+              <a:t>12/26/2024</a:t>
             </a:fld>
             <a:endParaRPr lang="en-US"/>
           </a:p>
@@ -1896,7 +2010,7 @@
             <a:fld id="{F70EAA40-3A53-4A3D-924A-D38F1059C7D5}" type="datetime1">
               <a:rPr lang="en-US" smtClean="0"/>
               <a:pPr/>
-              <a:t>12/25/2024</a:t>
+              <a:t>12/26/2024</a:t>
             </a:fld>
             <a:endParaRPr lang="en-US"/>
           </a:p>
@@ -2582,7 +2696,7 @@
             <a:fld id="{F70EAA40-3A53-4A3D-924A-D38F1059C7D5}" type="datetime1">
               <a:rPr lang="en-US" smtClean="0"/>
               <a:pPr/>
-              <a:t>12/25/2024</a:t>
+              <a:t>12/26/2024</a:t>
             </a:fld>
             <a:endParaRPr lang="en-US"/>
           </a:p>
@@ -2772,7 +2886,7 @@
             <a:fld id="{F70EAA40-3A53-4A3D-924A-D38F1059C7D5}" type="datetime1">
               <a:rPr lang="en-US" smtClean="0"/>
               <a:pPr/>
-              <a:t>12/25/2024</a:t>
+              <a:t>12/26/2024</a:t>
             </a:fld>
             <a:endParaRPr lang="en-US"/>
           </a:p>
@@ -3355,7 +3469,7 @@
             <a:fld id="{F70EAA40-3A53-4A3D-924A-D38F1059C7D5}" type="datetime1">
               <a:rPr lang="en-US" smtClean="0"/>
               <a:pPr/>
-              <a:t>12/25/2024</a:t>
+              <a:t>12/26/2024</a:t>
             </a:fld>
             <a:endParaRPr lang="en-US"/>
           </a:p>
@@ -3541,7 +3655,7 @@
             <a:fld id="{F70EAA40-3A53-4A3D-924A-D38F1059C7D5}" type="datetime1">
               <a:rPr lang="en-US" smtClean="0"/>
               <a:pPr/>
-              <a:t>12/25/2024</a:t>
+              <a:t>12/26/2024</a:t>
             </a:fld>
             <a:endParaRPr lang="en-US"/>
           </a:p>
@@ -4236,7 +4350,7 @@
           <a:p>
             <a:r>
               <a:rPr lang="vi-VN" dirty="0"/>
-              <a:t>4 Tính chất</a:t>
+              <a:t> Tính chất của OOP</a:t>
             </a:r>
             <a:endParaRPr lang="en-US" dirty="0"/>
           </a:p>
@@ -4830,7 +4944,7 @@
           <a:p>
             <a:r>
               <a:rPr lang="en-US" dirty="0"/>
-              <a:t>III. </a:t>
+              <a:t>I. </a:t>
             </a:r>
             <a:r>
               <a:rPr lang="en-US" dirty="0" err="1"/>
@@ -5916,7 +6030,15 @@
           <a:p>
             <a:r>
               <a:rPr lang="en-US" dirty="0"/>
-              <a:t>Package UI</a:t>
+              <a:t>Package </a:t>
+            </a:r>
+            <a:r>
+              <a:rPr lang="vi-VN" dirty="0"/>
+              <a:t>G</a:t>
+            </a:r>
+            <a:r>
+              <a:rPr lang="en-US" dirty="0"/>
+              <a:t>UI</a:t>
             </a:r>
           </a:p>
         </p:txBody>
@@ -6180,16 +6302,24 @@
           <a:bodyPr/>
           <a:lstStyle/>
           <a:p>
+            <a:r>
+              <a:rPr lang="vi-VN" dirty="0" err="1"/>
+              <a:t>Package</a:t>
+            </a:r>
+            <a:r>
+              <a:rPr lang="vi-VN" dirty="0"/>
+              <a:t> GUI</a:t>
+            </a:r>
             <a:endParaRPr lang="en-US" dirty="0"/>
           </a:p>
         </p:txBody>
       </p:sp>
       <p:pic>
         <p:nvPicPr>
-          <p:cNvPr id="8" name="Picture 7">
+          <p:cNvPr id="5" name="Picture 4">
             <a:extLst>
               <a:ext uri="{FF2B5EF4-FFF2-40B4-BE49-F238E27FC236}">
-                <a16:creationId xmlns:a16="http://schemas.microsoft.com/office/drawing/2014/main" id="{59F2DB51-20BD-353A-A573-C10B0181AE1A}"/>
+                <a16:creationId xmlns:a16="http://schemas.microsoft.com/office/drawing/2014/main" id="{338A3D93-0B9E-7255-0E56-65E1AFCAA3D2}"/>
               </a:ext>
             </a:extLst>
           </p:cNvPr>
@@ -6206,8 +6336,8 @@
         </p:blipFill>
         <p:spPr>
           <a:xfrm>
-            <a:off x="0" y="2413932"/>
-            <a:ext cx="9144000" cy="2030136"/>
+            <a:off x="0" y="1539162"/>
+            <a:ext cx="9144000" cy="3779676"/>
           </a:xfrm>
           <a:prstGeom prst="rect">
             <a:avLst/>
@@ -7678,8 +7808,20 @@
           <a:lstStyle/>
           <a:p>
             <a:r>
+              <a:rPr lang="vi-VN" dirty="0"/>
+              <a:t>I</a:t>
+            </a:r>
+            <a:r>
+              <a:rPr lang="en-US" dirty="0"/>
+              <a:t>II</a:t>
+            </a:r>
+            <a:r>
+              <a:rPr lang="vi-VN" dirty="0"/>
+              <a:t>.</a:t>
+            </a:r>
+            <a:r>
               <a:rPr lang="vi-VN" dirty="0" err="1"/>
-              <a:t>IV.Demo</a:t>
+              <a:t>Demo</a:t>
             </a:r>
             <a:endParaRPr lang="en-US" dirty="0"/>
           </a:p>
@@ -7840,298 +7982,6 @@
   <p:cSld>
     <p:spTree>
       <p:nvGrpSpPr>
-        <p:cNvPr id="1" name=""/>
-        <p:cNvGrpSpPr/>
-        <p:nvPr/>
-      </p:nvGrpSpPr>
-      <p:grpSpPr>
-        <a:xfrm>
-          <a:off x="0" y="0"/>
-          <a:ext cx="0" cy="0"/>
-          <a:chOff x="0" y="0"/>
-          <a:chExt cx="0" cy="0"/>
-        </a:xfrm>
-      </p:grpSpPr>
-      <p:sp>
-        <p:nvSpPr>
-          <p:cNvPr id="2" name="Slide Number Placeholder 1">
-            <a:extLst>
-              <a:ext uri="{FF2B5EF4-FFF2-40B4-BE49-F238E27FC236}">
-                <a16:creationId xmlns:a16="http://schemas.microsoft.com/office/drawing/2014/main" id="{A7101F79-2CBF-4392-B538-B0B5700DB4C6}"/>
-              </a:ext>
-            </a:extLst>
-          </p:cNvPr>
-          <p:cNvSpPr>
-            <a:spLocks noGrp="1"/>
-          </p:cNvSpPr>
-          <p:nvPr>
-            <p:ph type="sldNum" sz="quarter" idx="12"/>
-          </p:nvPr>
-        </p:nvSpPr>
-        <p:spPr/>
-        <p:txBody>
-          <a:bodyPr/>
-          <a:lstStyle/>
-          <a:p>
-            <a:fld id="{9EA0BE3B-158A-4EDF-80DC-E394A0D1600F}" type="slidenum">
-              <a:rPr lang="en-US" smtClean="0"/>
-              <a:pPr/>
-              <a:t>3</a:t>
-            </a:fld>
-            <a:endParaRPr lang="en-US" dirty="0"/>
-          </a:p>
-        </p:txBody>
-      </p:sp>
-      <p:sp>
-        <p:nvSpPr>
-          <p:cNvPr id="3" name="Title 2">
-            <a:extLst>
-              <a:ext uri="{FF2B5EF4-FFF2-40B4-BE49-F238E27FC236}">
-                <a16:creationId xmlns:a16="http://schemas.microsoft.com/office/drawing/2014/main" id="{9EF27CAA-32BA-4E6B-B8C0-1A481E08E81D}"/>
-              </a:ext>
-            </a:extLst>
-          </p:cNvPr>
-          <p:cNvSpPr>
-            <a:spLocks noGrp="1"/>
-          </p:cNvSpPr>
-          <p:nvPr>
-            <p:ph type="title"/>
-          </p:nvPr>
-        </p:nvSpPr>
-        <p:spPr/>
-        <p:txBody>
-          <a:bodyPr/>
-          <a:lstStyle/>
-          <a:p>
-            <a:r>
-              <a:rPr lang="en-US" dirty="0"/>
-              <a:t>Table of contents</a:t>
-            </a:r>
-          </a:p>
-        </p:txBody>
-      </p:sp>
-      <p:sp>
-        <p:nvSpPr>
-          <p:cNvPr id="4" name="Content Placeholder 3">
-            <a:extLst>
-              <a:ext uri="{FF2B5EF4-FFF2-40B4-BE49-F238E27FC236}">
-                <a16:creationId xmlns:a16="http://schemas.microsoft.com/office/drawing/2014/main" id="{59563378-38F8-4CB3-AF99-2C56FCF55404}"/>
-              </a:ext>
-            </a:extLst>
-          </p:cNvPr>
-          <p:cNvSpPr>
-            <a:spLocks noGrp="1"/>
-          </p:cNvSpPr>
-          <p:nvPr>
-            <p:ph sz="quarter" idx="13"/>
-          </p:nvPr>
-        </p:nvSpPr>
-        <p:spPr/>
-        <p:txBody>
-          <a:bodyPr/>
-          <a:lstStyle/>
-          <a:p>
-            <a:pPr>
-              <a:lnSpc>
-                <a:spcPct val="250000"/>
-              </a:lnSpc>
-            </a:pPr>
-            <a:r>
-              <a:rPr lang="en-US" dirty="0">
-                <a:hlinkClick r:id="rId2" action="ppaction://hlinksldjump"/>
-              </a:rPr>
-              <a:t>I. </a:t>
-            </a:r>
-            <a:r>
-              <a:rPr lang="en-US" dirty="0" err="1">
-                <a:hlinkClick r:id="rId2" action="ppaction://hlinksldjump"/>
-              </a:rPr>
-              <a:t>Phân</a:t>
-            </a:r>
-            <a:r>
-              <a:rPr lang="en-US" dirty="0">
-                <a:hlinkClick r:id="rId2" action="ppaction://hlinksldjump"/>
-              </a:rPr>
-              <a:t> </a:t>
-            </a:r>
-            <a:r>
-              <a:rPr lang="en-US" dirty="0" err="1">
-                <a:hlinkClick r:id="rId2" action="ppaction://hlinksldjump"/>
-              </a:rPr>
-              <a:t>công</a:t>
-            </a:r>
-            <a:r>
-              <a:rPr lang="en-US" dirty="0">
-                <a:hlinkClick r:id="rId2" action="ppaction://hlinksldjump"/>
-              </a:rPr>
-              <a:t> </a:t>
-            </a:r>
-            <a:r>
-              <a:rPr lang="en-US" dirty="0" err="1">
-                <a:hlinkClick r:id="rId2" action="ppaction://hlinksldjump"/>
-              </a:rPr>
-              <a:t>thành</a:t>
-            </a:r>
-            <a:r>
-              <a:rPr lang="en-US" dirty="0">
-                <a:hlinkClick r:id="rId2" action="ppaction://hlinksldjump"/>
-              </a:rPr>
-              <a:t> </a:t>
-            </a:r>
-            <a:r>
-              <a:rPr lang="en-US" dirty="0" err="1">
-                <a:hlinkClick r:id="rId2" action="ppaction://hlinksldjump"/>
-              </a:rPr>
-              <a:t>viên</a:t>
-            </a:r>
-            <a:endParaRPr lang="en-US" dirty="0"/>
-          </a:p>
-          <a:p>
-            <a:pPr>
-              <a:lnSpc>
-                <a:spcPct val="250000"/>
-              </a:lnSpc>
-            </a:pPr>
-            <a:r>
-              <a:rPr lang="en-US" dirty="0">
-                <a:hlinkClick r:id="rId3" action="ppaction://hlinksldjump"/>
-              </a:rPr>
-              <a:t>II. </a:t>
-            </a:r>
-            <a:r>
-              <a:rPr lang="en-US" dirty="0" err="1">
-                <a:hlinkClick r:id="rId3" action="ppaction://hlinksldjump"/>
-              </a:rPr>
-              <a:t>Mô</a:t>
-            </a:r>
-            <a:r>
-              <a:rPr lang="en-US" dirty="0">
-                <a:hlinkClick r:id="rId3" action="ppaction://hlinksldjump"/>
-              </a:rPr>
-              <a:t> </a:t>
-            </a:r>
-            <a:r>
-              <a:rPr lang="en-US" dirty="0" err="1">
-                <a:hlinkClick r:id="rId3" action="ppaction://hlinksldjump"/>
-              </a:rPr>
-              <a:t>tả</a:t>
-            </a:r>
-            <a:r>
-              <a:rPr lang="en-US" dirty="0">
-                <a:hlinkClick r:id="rId3" action="ppaction://hlinksldjump"/>
-              </a:rPr>
-              <a:t> </a:t>
-            </a:r>
-            <a:r>
-              <a:rPr lang="en-US" dirty="0" err="1">
-                <a:hlinkClick r:id="rId3" action="ppaction://hlinksldjump"/>
-              </a:rPr>
-              <a:t>dự</a:t>
-            </a:r>
-            <a:r>
-              <a:rPr lang="en-US" dirty="0">
-                <a:hlinkClick r:id="rId3" action="ppaction://hlinksldjump"/>
-              </a:rPr>
-              <a:t> </a:t>
-            </a:r>
-            <a:r>
-              <a:rPr lang="en-US" dirty="0" err="1">
-                <a:hlinkClick r:id="rId3" action="ppaction://hlinksldjump"/>
-              </a:rPr>
-              <a:t>án</a:t>
-            </a:r>
-            <a:endParaRPr lang="en-US" dirty="0"/>
-          </a:p>
-          <a:p>
-            <a:pPr>
-              <a:lnSpc>
-                <a:spcPct val="250000"/>
-              </a:lnSpc>
-            </a:pPr>
-            <a:r>
-              <a:rPr lang="en-US" dirty="0">
-                <a:hlinkClick r:id="rId4" action="ppaction://hlinksldjump"/>
-              </a:rPr>
-              <a:t>III. </a:t>
-            </a:r>
-            <a:r>
-              <a:rPr lang="en-US" dirty="0" err="1">
-                <a:hlinkClick r:id="rId4" action="ppaction://hlinksldjump"/>
-              </a:rPr>
-              <a:t>Thiết</a:t>
-            </a:r>
-            <a:r>
-              <a:rPr lang="en-US" dirty="0">
-                <a:hlinkClick r:id="rId4" action="ppaction://hlinksldjump"/>
-              </a:rPr>
-              <a:t> </a:t>
-            </a:r>
-            <a:r>
-              <a:rPr lang="en-US" dirty="0" err="1">
-                <a:hlinkClick r:id="rId4" action="ppaction://hlinksldjump"/>
-              </a:rPr>
-              <a:t>kế</a:t>
-            </a:r>
-            <a:r>
-              <a:rPr lang="en-US" dirty="0">
-                <a:hlinkClick r:id="rId4" action="ppaction://hlinksldjump"/>
-              </a:rPr>
-              <a:t> </a:t>
-            </a:r>
-            <a:r>
-              <a:rPr lang="en-US" dirty="0" err="1">
-                <a:hlinkClick r:id="rId4" action="ppaction://hlinksldjump"/>
-              </a:rPr>
-              <a:t>hệ</a:t>
-            </a:r>
-            <a:r>
-              <a:rPr lang="en-US" dirty="0">
-                <a:hlinkClick r:id="rId4" action="ppaction://hlinksldjump"/>
-              </a:rPr>
-              <a:t> </a:t>
-            </a:r>
-            <a:r>
-              <a:rPr lang="en-US" dirty="0" err="1">
-                <a:hlinkClick r:id="rId4" action="ppaction://hlinksldjump"/>
-              </a:rPr>
-              <a:t>thống</a:t>
-            </a:r>
-            <a:endParaRPr lang="en-US" dirty="0"/>
-          </a:p>
-          <a:p>
-            <a:pPr>
-              <a:lnSpc>
-                <a:spcPct val="250000"/>
-              </a:lnSpc>
-            </a:pPr>
-            <a:r>
-              <a:rPr lang="en-US" dirty="0">
-                <a:hlinkClick r:id="rId5" action="ppaction://hlinksldjump"/>
-              </a:rPr>
-              <a:t>IV. Demo</a:t>
-            </a:r>
-            <a:endParaRPr lang="en-US" dirty="0"/>
-          </a:p>
-        </p:txBody>
-      </p:sp>
-    </p:spTree>
-    <p:extLst>
-      <p:ext uri="{BB962C8B-B14F-4D97-AF65-F5344CB8AC3E}">
-        <p14:creationId xmlns:p14="http://schemas.microsoft.com/office/powerpoint/2010/main" val="292364014"/>
-      </p:ext>
-    </p:extLst>
-  </p:cSld>
-  <p:clrMapOvr>
-    <a:masterClrMapping/>
-  </p:clrMapOvr>
-</p:sld>
-</file>
-
-<file path=ppt/slides/slide4.xml><?xml version="1.0" encoding="utf-8"?>
-<p:sld xmlns:a="http://schemas.openxmlformats.org/drawingml/2006/main" xmlns:r="http://schemas.openxmlformats.org/officeDocument/2006/relationships" xmlns:p="http://schemas.openxmlformats.org/presentationml/2006/main">
-  <p:cSld>
-    <p:spTree>
-      <p:nvGrpSpPr>
         <p:cNvPr id="1" name="">
           <a:extLst>
             <a:ext uri="{FF2B5EF4-FFF2-40B4-BE49-F238E27FC236}">
@@ -8174,7 +8024,7 @@
             <a:fld id="{9EA0BE3B-158A-4EDF-80DC-E394A0D1600F}" type="slidenum">
               <a:rPr lang="en-US" smtClean="0"/>
               <a:pPr/>
-              <a:t>4</a:t>
+              <a:t>3</a:t>
             </a:fld>
             <a:endParaRPr lang="en-US" dirty="0"/>
           </a:p>
@@ -8203,31 +8053,7 @@
           <a:p>
             <a:r>
               <a:rPr lang="en-US" dirty="0"/>
-              <a:t>I. </a:t>
-            </a:r>
-            <a:r>
-              <a:rPr lang="en-US" dirty="0" err="1"/>
-              <a:t>Phân</a:t>
-            </a:r>
-            <a:r>
-              <a:rPr lang="en-US" dirty="0"/>
-              <a:t> </a:t>
-            </a:r>
-            <a:r>
-              <a:rPr lang="en-US" dirty="0" err="1"/>
-              <a:t>công</a:t>
-            </a:r>
-            <a:r>
-              <a:rPr lang="en-US" dirty="0"/>
-              <a:t> </a:t>
-            </a:r>
-            <a:r>
-              <a:rPr lang="en-US" dirty="0" err="1"/>
-              <a:t>thành</a:t>
-            </a:r>
-            <a:r>
-              <a:rPr lang="en-US" dirty="0"/>
-              <a:t> </a:t>
+              <a:t>I. Thành </a:t>
             </a:r>
             <a:r>
               <a:rPr lang="en-US" dirty="0" err="1"/>
@@ -8261,265 +8087,57 @@
           <a:bodyPr/>
           <a:lstStyle/>
           <a:p>
-            <a:pPr marL="514350" indent="-514350">
+            <a:pPr marL="339725" indent="-339725">
               <a:buAutoNum type="arabicPeriod"/>
             </a:pPr>
-            <a:r>
-              <a:rPr lang="en-US" sz="2400" b="0" i="0" dirty="0" err="1">
-                <a:solidFill>
-                  <a:srgbClr val="000000"/>
-                </a:solidFill>
-                <a:effectLst/>
-              </a:rPr>
-              <a:t>Trần</a:t>
-            </a:r>
-            <a:r>
-              <a:rPr lang="en-US" sz="2400" b="0" i="0" dirty="0">
-                <a:solidFill>
-                  <a:srgbClr val="000000"/>
-                </a:solidFill>
-                <a:effectLst/>
-              </a:rPr>
-              <a:t> </a:t>
-            </a:r>
-            <a:r>
-              <a:rPr lang="en-US" sz="2400" b="0" i="0" dirty="0" err="1">
-                <a:solidFill>
-                  <a:srgbClr val="000000"/>
-                </a:solidFill>
-                <a:effectLst/>
-              </a:rPr>
-              <a:t>Đình</a:t>
-            </a:r>
-            <a:r>
-              <a:rPr lang="en-US" sz="2400" b="0" i="0" dirty="0">
-                <a:solidFill>
-                  <a:srgbClr val="000000"/>
-                </a:solidFill>
-                <a:effectLst/>
-              </a:rPr>
-              <a:t> Nhật Minh 20225746 (</a:t>
-            </a:r>
-            <a:r>
-              <a:rPr lang="vi-VN" sz="2400" b="0" i="0" dirty="0">
-                <a:solidFill>
-                  <a:srgbClr val="000000"/>
-                </a:solidFill>
-                <a:effectLst/>
-              </a:rPr>
-              <a:t>Làm </a:t>
-            </a:r>
-            <a:r>
-              <a:rPr lang="vi-VN" sz="2400" b="0" i="0" dirty="0" err="1">
-                <a:solidFill>
-                  <a:srgbClr val="000000"/>
-                </a:solidFill>
-                <a:effectLst/>
-              </a:rPr>
-              <a:t>package</a:t>
-            </a:r>
-            <a:r>
-              <a:rPr lang="vi-VN" sz="2400" b="0" i="0" dirty="0">
-                <a:solidFill>
-                  <a:srgbClr val="000000"/>
-                </a:solidFill>
-                <a:effectLst/>
-              </a:rPr>
-              <a:t> UI, tạo giao </a:t>
-            </a:r>
-            <a:r>
-              <a:rPr lang="vi-VN" sz="2400" b="0" i="0" dirty="0" err="1">
-                <a:solidFill>
-                  <a:srgbClr val="000000"/>
-                </a:solidFill>
-                <a:effectLst/>
-              </a:rPr>
-              <a:t>diện,tạo</a:t>
-            </a:r>
-            <a:r>
-              <a:rPr lang="vi-VN" sz="2400" b="0" i="0" dirty="0">
-                <a:solidFill>
-                  <a:srgbClr val="000000"/>
-                </a:solidFill>
-                <a:effectLst/>
-              </a:rPr>
-              <a:t> </a:t>
-            </a:r>
-            <a:r>
-              <a:rPr lang="vi-VN" sz="2400" b="0" i="0" dirty="0" err="1">
-                <a:solidFill>
-                  <a:srgbClr val="000000"/>
-                </a:solidFill>
-                <a:effectLst/>
-              </a:rPr>
-              <a:t>class</a:t>
-            </a:r>
-            <a:r>
-              <a:rPr lang="vi-VN" sz="2400" b="0" i="0" dirty="0">
-                <a:solidFill>
-                  <a:srgbClr val="000000"/>
-                </a:solidFill>
-                <a:effectLst/>
-              </a:rPr>
-              <a:t> </a:t>
-            </a:r>
-            <a:r>
-              <a:rPr lang="vi-VN" sz="2400" b="0" i="0" dirty="0" err="1">
-                <a:solidFill>
-                  <a:srgbClr val="000000"/>
-                </a:solidFill>
-                <a:effectLst/>
-              </a:rPr>
-              <a:t>Diagram</a:t>
-            </a:r>
-            <a:r>
-              <a:rPr lang="en-US" sz="2400" dirty="0">
-                <a:solidFill>
-                  <a:srgbClr val="000000"/>
-                </a:solidFill>
-              </a:rPr>
-              <a:t>)</a:t>
-            </a:r>
-            <a:endParaRPr lang="vi-VN" sz="2400" dirty="0">
+            <a:endParaRPr lang="en-US" sz="2400" b="0" i="0" dirty="0">
               <a:solidFill>
                 <a:srgbClr val="000000"/>
               </a:solidFill>
+              <a:effectLst/>
             </a:endParaRPr>
           </a:p>
           <a:p>
-            <a:pPr marL="514350" indent="-514350">
+            <a:pPr marL="339725" indent="-339725">
               <a:buAutoNum type="arabicPeriod"/>
             </a:pPr>
+            <a:r>
+              <a:rPr lang="en-US" sz="2400" b="0" i="0" dirty="0" err="1">
+                <a:solidFill>
+                  <a:srgbClr val="000000"/>
+                </a:solidFill>
+                <a:effectLst/>
+              </a:rPr>
+              <a:t>Trần</a:t>
+            </a:r>
+            <a:r>
+              <a:rPr lang="en-US" sz="2400" b="0" i="0" dirty="0">
+                <a:solidFill>
+                  <a:srgbClr val="000000"/>
+                </a:solidFill>
+                <a:effectLst/>
+              </a:rPr>
+              <a:t> </a:t>
+            </a:r>
+            <a:r>
+              <a:rPr lang="en-US" sz="2400" b="0" i="0" dirty="0" err="1">
+                <a:solidFill>
+                  <a:srgbClr val="000000"/>
+                </a:solidFill>
+                <a:effectLst/>
+              </a:rPr>
+              <a:t>Đình</a:t>
+            </a:r>
+            <a:r>
+              <a:rPr lang="en-US" sz="2400" b="0" i="0" dirty="0">
+                <a:solidFill>
+                  <a:srgbClr val="000000"/>
+                </a:solidFill>
+                <a:effectLst/>
+              </a:rPr>
+              <a:t> Nhật Minh 20225746</a:t>
+            </a:r>
             <a:endParaRPr lang="en-US" sz="2400" dirty="0"/>
-          </a:p>
-          <a:p>
-            <a:pPr marL="0" indent="0">
-              <a:buNone/>
-            </a:pPr>
-            <a:r>
-              <a:rPr lang="en-US" sz="2400" dirty="0"/>
-              <a:t>2. </a:t>
-            </a:r>
-            <a:r>
-              <a:rPr lang="en-US" sz="2400" dirty="0" err="1"/>
-              <a:t>Nguyễn</a:t>
-            </a:r>
-            <a:r>
-              <a:rPr lang="en-US" sz="2400" dirty="0"/>
-              <a:t> Duy Khánh 20225845 </a:t>
-            </a:r>
-            <a:r>
-              <a:rPr lang="en-US" sz="2400" b="0" i="0" dirty="0">
-                <a:solidFill>
-                  <a:srgbClr val="000000"/>
-                </a:solidFill>
-                <a:effectLst/>
-              </a:rPr>
-              <a:t>(</a:t>
-            </a:r>
-            <a:r>
-              <a:rPr lang="vi-VN" sz="2400" b="0" i="0" dirty="0">
-                <a:solidFill>
-                  <a:srgbClr val="000000"/>
-                </a:solidFill>
-                <a:effectLst/>
-              </a:rPr>
-              <a:t>Thiết kế </a:t>
-            </a:r>
-            <a:r>
-              <a:rPr lang="vi-VN" sz="2400" b="0" i="0" dirty="0" err="1">
-                <a:solidFill>
-                  <a:srgbClr val="000000"/>
-                </a:solidFill>
-                <a:effectLst/>
-              </a:rPr>
-              <a:t>database</a:t>
-            </a:r>
-            <a:r>
-              <a:rPr lang="vi-VN" sz="2400" b="0" i="0" dirty="0">
-                <a:solidFill>
-                  <a:srgbClr val="000000"/>
-                </a:solidFill>
-                <a:effectLst/>
-              </a:rPr>
-              <a:t>, Làm </a:t>
-            </a:r>
-            <a:r>
-              <a:rPr lang="vi-VN" sz="2400" b="0" i="0" dirty="0" err="1">
-                <a:solidFill>
-                  <a:srgbClr val="000000"/>
-                </a:solidFill>
-                <a:effectLst/>
-              </a:rPr>
-              <a:t>class</a:t>
-            </a:r>
-            <a:r>
-              <a:rPr lang="vi-VN" sz="2400" b="0" i="0" dirty="0">
-                <a:solidFill>
-                  <a:srgbClr val="000000"/>
-                </a:solidFill>
-                <a:effectLst/>
-              </a:rPr>
-              <a:t> </a:t>
-            </a:r>
-            <a:r>
-              <a:rPr lang="vi-VN" sz="2400" b="0" i="0" dirty="0" err="1">
-                <a:solidFill>
-                  <a:srgbClr val="000000"/>
-                </a:solidFill>
-                <a:effectLst/>
-              </a:rPr>
-              <a:t>Login</a:t>
-            </a:r>
-            <a:r>
-              <a:rPr lang="vi-VN" sz="2400" b="0" i="0" dirty="0">
-                <a:solidFill>
-                  <a:srgbClr val="000000"/>
-                </a:solidFill>
-                <a:effectLst/>
-              </a:rPr>
-              <a:t>, Vẽ </a:t>
-            </a:r>
-            <a:r>
-              <a:rPr lang="vi-VN" sz="2400" b="0" i="0" dirty="0" err="1">
-                <a:solidFill>
-                  <a:srgbClr val="000000"/>
-                </a:solidFill>
-                <a:effectLst/>
-              </a:rPr>
-              <a:t>usecase</a:t>
-            </a:r>
-            <a:r>
-              <a:rPr lang="vi-VN" sz="2400" b="0" i="0" dirty="0">
-                <a:solidFill>
-                  <a:srgbClr val="000000"/>
-                </a:solidFill>
-                <a:effectLst/>
-              </a:rPr>
-              <a:t> </a:t>
-            </a:r>
-            <a:r>
-              <a:rPr lang="vi-VN" sz="2400" b="0" i="0" dirty="0" err="1">
-                <a:solidFill>
-                  <a:srgbClr val="000000"/>
-                </a:solidFill>
-                <a:effectLst/>
-              </a:rPr>
-              <a:t>Diagram</a:t>
-            </a:r>
-            <a:r>
-              <a:rPr lang="en-US" sz="2400" dirty="0">
-                <a:solidFill>
-                  <a:srgbClr val="000000"/>
-                </a:solidFill>
-              </a:rPr>
-              <a:t>)</a:t>
-            </a:r>
-            <a:endParaRPr lang="vi-VN" sz="2400" dirty="0">
-              <a:solidFill>
-                <a:srgbClr val="000000"/>
-              </a:solidFill>
-            </a:endParaRPr>
           </a:p>
           <a:p>
             <a:pPr marL="0" indent="0">
@@ -8533,7 +8151,7 @@
             </a:pPr>
             <a:r>
               <a:rPr lang="en-US" sz="2400" dirty="0"/>
-              <a:t>3. </a:t>
+              <a:t>2. </a:t>
             </a:r>
             <a:r>
               <a:rPr lang="en-US" sz="2400" dirty="0" err="1"/>
@@ -8541,66 +8159,8 @@
             </a:r>
             <a:r>
               <a:rPr lang="en-US" sz="2400" dirty="0"/>
-              <a:t> Huy Hoàng 20225845 </a:t>
-            </a:r>
-            <a:r>
-              <a:rPr lang="en-US" sz="2400" b="0" i="0" dirty="0">
-                <a:solidFill>
-                  <a:srgbClr val="000000"/>
-                </a:solidFill>
-                <a:effectLst/>
-              </a:rPr>
-              <a:t>(</a:t>
-            </a:r>
-            <a:r>
-              <a:rPr lang="vi-VN" sz="2400" b="0" i="0" dirty="0">
-                <a:solidFill>
-                  <a:srgbClr val="000000"/>
-                </a:solidFill>
-                <a:effectLst/>
-              </a:rPr>
-              <a:t>Làm </a:t>
-            </a:r>
-            <a:r>
-              <a:rPr lang="vi-VN" sz="2400" b="0" i="0" dirty="0" err="1">
-                <a:solidFill>
-                  <a:srgbClr val="000000"/>
-                </a:solidFill>
-                <a:effectLst/>
-              </a:rPr>
-              <a:t>Slide</a:t>
-            </a:r>
-            <a:r>
-              <a:rPr lang="vi-VN" sz="2400" b="0" i="0" dirty="0">
-                <a:solidFill>
-                  <a:srgbClr val="000000"/>
-                </a:solidFill>
-                <a:effectLst/>
-              </a:rPr>
-              <a:t>, làm </a:t>
-            </a:r>
-            <a:r>
-              <a:rPr lang="vi-VN" sz="2400" b="0" i="0" dirty="0" err="1">
-                <a:solidFill>
-                  <a:srgbClr val="000000"/>
-                </a:solidFill>
-                <a:effectLst/>
-              </a:rPr>
-              <a:t>Database</a:t>
-            </a:r>
-            <a:r>
-              <a:rPr lang="en-US" sz="2400" dirty="0">
-                <a:solidFill>
-                  <a:srgbClr val="000000"/>
-                </a:solidFill>
-              </a:rPr>
-              <a:t>)</a:t>
-            </a:r>
-            <a:endParaRPr lang="vi-VN" sz="2400" dirty="0">
-              <a:solidFill>
-                <a:srgbClr val="000000"/>
-              </a:solidFill>
-            </a:endParaRPr>
+              <a:t> Duy Khánh 20225845</a:t>
+            </a:r>
           </a:p>
           <a:p>
             <a:pPr marL="0" indent="0">
@@ -8614,101 +8174,16 @@
             </a:pPr>
             <a:r>
               <a:rPr lang="en-US" sz="2400" dirty="0"/>
-              <a:t>4. Phan </a:t>
+              <a:t>3. </a:t>
             </a:r>
             <a:r>
               <a:rPr lang="en-US" sz="2400" dirty="0" err="1"/>
-              <a:t>Hồng</a:t>
+              <a:t>Nguyễn</a:t>
             </a:r>
             <a:r>
               <a:rPr lang="en-US" sz="2400" dirty="0"/>
-              <a:t> Minh 20225888 </a:t>
-            </a:r>
-            <a:r>
-              <a:rPr lang="en-US" sz="2400" b="0" i="0" dirty="0">
-                <a:solidFill>
-                  <a:srgbClr val="000000"/>
-                </a:solidFill>
-                <a:effectLst/>
-              </a:rPr>
-              <a:t>(</a:t>
-            </a:r>
-            <a:r>
-              <a:rPr lang="vi-VN" sz="2400" b="0" i="0" dirty="0" err="1">
-                <a:solidFill>
-                  <a:srgbClr val="000000"/>
-                </a:solidFill>
-                <a:effectLst/>
-              </a:rPr>
-              <a:t>Connect</a:t>
-            </a:r>
-            <a:r>
-              <a:rPr lang="vi-VN" sz="2400" b="0" i="0" dirty="0">
-                <a:solidFill>
-                  <a:srgbClr val="000000"/>
-                </a:solidFill>
-                <a:effectLst/>
-              </a:rPr>
-              <a:t> </a:t>
-            </a:r>
-            <a:r>
-              <a:rPr lang="vi-VN" sz="2400" b="0" i="0" dirty="0" err="1">
-                <a:solidFill>
-                  <a:srgbClr val="000000"/>
-                </a:solidFill>
-                <a:effectLst/>
-              </a:rPr>
-              <a:t>database,làm</a:t>
-            </a:r>
-            <a:r>
-              <a:rPr lang="vi-VN" sz="2400" b="0" i="0" dirty="0">
-                <a:solidFill>
-                  <a:srgbClr val="000000"/>
-                </a:solidFill>
-                <a:effectLst/>
-              </a:rPr>
-              <a:t> </a:t>
-            </a:r>
-            <a:r>
-              <a:rPr lang="vi-VN" sz="2400" b="0" i="0" dirty="0" err="1">
-                <a:solidFill>
-                  <a:srgbClr val="000000"/>
-                </a:solidFill>
-                <a:effectLst/>
-              </a:rPr>
-              <a:t>packagde</a:t>
-            </a:r>
-            <a:r>
-              <a:rPr lang="vi-VN" sz="2400" b="0" i="0" dirty="0">
-                <a:solidFill>
-                  <a:srgbClr val="000000"/>
-                </a:solidFill>
-                <a:effectLst/>
-              </a:rPr>
-              <a:t> </a:t>
-            </a:r>
-            <a:r>
-              <a:rPr lang="vi-VN" sz="2400" b="0" i="0" dirty="0" err="1">
-                <a:solidFill>
-                  <a:srgbClr val="000000"/>
-                </a:solidFill>
-                <a:effectLst/>
-              </a:rPr>
-              <a:t>code</a:t>
-            </a:r>
-            <a:r>
-              <a:rPr lang="en-US" sz="2400" dirty="0">
-                <a:solidFill>
-                  <a:srgbClr val="000000"/>
-                </a:solidFill>
-              </a:rPr>
-              <a:t>)</a:t>
-            </a:r>
-            <a:endParaRPr lang="vi-VN" sz="2400" dirty="0">
-              <a:solidFill>
-                <a:srgbClr val="000000"/>
-              </a:solidFill>
-            </a:endParaRPr>
+              <a:t> Huy Hoàng 20225845 </a:t>
+            </a:r>
           </a:p>
           <a:p>
             <a:pPr marL="0" indent="0">
@@ -8722,6 +8197,29 @@
             </a:pPr>
             <a:r>
               <a:rPr lang="en-US" sz="2400" dirty="0"/>
+              <a:t>4. Phan </a:t>
+            </a:r>
+            <a:r>
+              <a:rPr lang="en-US" sz="2400" dirty="0" err="1"/>
+              <a:t>Hồng</a:t>
+            </a:r>
+            <a:r>
+              <a:rPr lang="en-US" sz="2400" dirty="0"/>
+              <a:t> Minh 20225888</a:t>
+            </a:r>
+          </a:p>
+          <a:p>
+            <a:pPr marL="0" indent="0">
+              <a:buNone/>
+            </a:pPr>
+            <a:endParaRPr lang="en-US" sz="2400" dirty="0"/>
+          </a:p>
+          <a:p>
+            <a:pPr marL="0" indent="0">
+              <a:buNone/>
+            </a:pPr>
+            <a:r>
+              <a:rPr lang="en-US" sz="2400" dirty="0"/>
               <a:t>5. </a:t>
             </a:r>
             <a:r>
@@ -8738,53 +8236,8 @@
             </a:r>
             <a:r>
               <a:rPr lang="en-US" sz="2400" dirty="0"/>
-              <a:t> Minh 20225745 </a:t>
-            </a:r>
-            <a:r>
-              <a:rPr lang="en-US" sz="2400" b="0" i="0" dirty="0">
-                <a:solidFill>
-                  <a:srgbClr val="000000"/>
-                </a:solidFill>
-                <a:effectLst/>
-              </a:rPr>
-              <a:t>(</a:t>
-            </a:r>
-            <a:r>
-              <a:rPr lang="vi-VN" sz="2400" b="0" i="0" dirty="0">
-                <a:solidFill>
-                  <a:srgbClr val="000000"/>
-                </a:solidFill>
-                <a:effectLst/>
-              </a:rPr>
-              <a:t>Hỗ trợ làm </a:t>
-            </a:r>
-            <a:r>
-              <a:rPr lang="vi-VN" sz="2400" b="0" i="0" dirty="0" err="1">
-                <a:solidFill>
-                  <a:srgbClr val="000000"/>
-                </a:solidFill>
-                <a:effectLst/>
-              </a:rPr>
-              <a:t>package</a:t>
-            </a:r>
-            <a:r>
-              <a:rPr lang="vi-VN" sz="2400" b="0" i="0" dirty="0">
-                <a:solidFill>
-                  <a:srgbClr val="000000"/>
-                </a:solidFill>
-                <a:effectLst/>
-              </a:rPr>
-              <a:t> UI</a:t>
-            </a:r>
-            <a:r>
-              <a:rPr lang="en-US" sz="2400" dirty="0">
-                <a:solidFill>
-                  <a:srgbClr val="000000"/>
-                </a:solidFill>
-              </a:rPr>
-              <a:t>)</a:t>
-            </a:r>
-            <a:endParaRPr lang="en-US" sz="2400" dirty="0"/>
+              <a:t> Minh 20225745</a:t>
+            </a:r>
           </a:p>
         </p:txBody>
       </p:sp>
@@ -8792,6 +8245,242 @@
     <p:extLst>
       <p:ext uri="{BB962C8B-B14F-4D97-AF65-F5344CB8AC3E}">
         <p14:creationId xmlns:p14="http://schemas.microsoft.com/office/powerpoint/2010/main" val="3650046006"/>
+      </p:ext>
+    </p:extLst>
+  </p:cSld>
+  <p:clrMapOvr>
+    <a:masterClrMapping/>
+  </p:clrMapOvr>
+</p:sld>
+</file>
+
+<file path=ppt/slides/slide4.xml><?xml version="1.0" encoding="utf-8"?>
+<p:sld xmlns:a="http://schemas.openxmlformats.org/drawingml/2006/main" xmlns:r="http://schemas.openxmlformats.org/officeDocument/2006/relationships" xmlns:p="http://schemas.openxmlformats.org/presentationml/2006/main">
+  <p:cSld>
+    <p:spTree>
+      <p:nvGrpSpPr>
+        <p:cNvPr id="1" name=""/>
+        <p:cNvGrpSpPr/>
+        <p:nvPr/>
+      </p:nvGrpSpPr>
+      <p:grpSpPr>
+        <a:xfrm>
+          <a:off x="0" y="0"/>
+          <a:ext cx="0" cy="0"/>
+          <a:chOff x="0" y="0"/>
+          <a:chExt cx="0" cy="0"/>
+        </a:xfrm>
+      </p:grpSpPr>
+      <p:sp>
+        <p:nvSpPr>
+          <p:cNvPr id="2" name="Slide Number Placeholder 1">
+            <a:extLst>
+              <a:ext uri="{FF2B5EF4-FFF2-40B4-BE49-F238E27FC236}">
+                <a16:creationId xmlns:a16="http://schemas.microsoft.com/office/drawing/2014/main" id="{A7101F79-2CBF-4392-B538-B0B5700DB4C6}"/>
+              </a:ext>
+            </a:extLst>
+          </p:cNvPr>
+          <p:cNvSpPr>
+            <a:spLocks noGrp="1"/>
+          </p:cNvSpPr>
+          <p:nvPr>
+            <p:ph type="sldNum" sz="quarter" idx="12"/>
+          </p:nvPr>
+        </p:nvSpPr>
+        <p:spPr/>
+        <p:txBody>
+          <a:bodyPr/>
+          <a:lstStyle/>
+          <a:p>
+            <a:fld id="{9EA0BE3B-158A-4EDF-80DC-E394A0D1600F}" type="slidenum">
+              <a:rPr lang="en-US" smtClean="0"/>
+              <a:pPr/>
+              <a:t>4</a:t>
+            </a:fld>
+            <a:endParaRPr lang="en-US" dirty="0"/>
+          </a:p>
+        </p:txBody>
+      </p:sp>
+      <p:sp>
+        <p:nvSpPr>
+          <p:cNvPr id="3" name="Title 2">
+            <a:extLst>
+              <a:ext uri="{FF2B5EF4-FFF2-40B4-BE49-F238E27FC236}">
+                <a16:creationId xmlns:a16="http://schemas.microsoft.com/office/drawing/2014/main" id="{9EF27CAA-32BA-4E6B-B8C0-1A481E08E81D}"/>
+              </a:ext>
+            </a:extLst>
+          </p:cNvPr>
+          <p:cNvSpPr>
+            <a:spLocks noGrp="1"/>
+          </p:cNvSpPr>
+          <p:nvPr>
+            <p:ph type="title"/>
+          </p:nvPr>
+        </p:nvSpPr>
+        <p:spPr/>
+        <p:txBody>
+          <a:bodyPr/>
+          <a:lstStyle/>
+          <a:p>
+            <a:r>
+              <a:rPr lang="en-US" dirty="0"/>
+              <a:t>Table of contents</a:t>
+            </a:r>
+          </a:p>
+        </p:txBody>
+      </p:sp>
+      <p:sp>
+        <p:nvSpPr>
+          <p:cNvPr id="4" name="Content Placeholder 3">
+            <a:extLst>
+              <a:ext uri="{FF2B5EF4-FFF2-40B4-BE49-F238E27FC236}">
+                <a16:creationId xmlns:a16="http://schemas.microsoft.com/office/drawing/2014/main" id="{59563378-38F8-4CB3-AF99-2C56FCF55404}"/>
+              </a:ext>
+            </a:extLst>
+          </p:cNvPr>
+          <p:cNvSpPr>
+            <a:spLocks noGrp="1"/>
+          </p:cNvSpPr>
+          <p:nvPr>
+            <p:ph sz="quarter" idx="13"/>
+          </p:nvPr>
+        </p:nvSpPr>
+        <p:spPr/>
+        <p:txBody>
+          <a:bodyPr/>
+          <a:lstStyle/>
+          <a:p>
+            <a:pPr>
+              <a:lnSpc>
+                <a:spcPct val="250000"/>
+              </a:lnSpc>
+            </a:pPr>
+            <a:r>
+              <a:rPr lang="en-US" dirty="0">
+                <a:hlinkClick r:id="rId2" action="ppaction://hlinksldjump"/>
+              </a:rPr>
+              <a:t>I. </a:t>
+            </a:r>
+            <a:r>
+              <a:rPr lang="en-US" dirty="0" err="1">
+                <a:hlinkClick r:id="rId2" action="ppaction://hlinksldjump"/>
+              </a:rPr>
+              <a:t>Mô</a:t>
+            </a:r>
+            <a:r>
+              <a:rPr lang="en-US" dirty="0">
+                <a:hlinkClick r:id="rId2" action="ppaction://hlinksldjump"/>
+              </a:rPr>
+              <a:t> </a:t>
+            </a:r>
+            <a:r>
+              <a:rPr lang="en-US" dirty="0" err="1">
+                <a:hlinkClick r:id="rId2" action="ppaction://hlinksldjump"/>
+              </a:rPr>
+              <a:t>tả</a:t>
+            </a:r>
+            <a:r>
+              <a:rPr lang="en-US" dirty="0">
+                <a:hlinkClick r:id="rId2" action="ppaction://hlinksldjump"/>
+              </a:rPr>
+              <a:t> </a:t>
+            </a:r>
+            <a:r>
+              <a:rPr lang="en-US" dirty="0" err="1">
+                <a:hlinkClick r:id="rId2" action="ppaction://hlinksldjump"/>
+              </a:rPr>
+              <a:t>dự</a:t>
+            </a:r>
+            <a:r>
+              <a:rPr lang="en-US" dirty="0">
+                <a:hlinkClick r:id="rId2" action="ppaction://hlinksldjump"/>
+              </a:rPr>
+              <a:t> </a:t>
+            </a:r>
+            <a:r>
+              <a:rPr lang="en-US" dirty="0" err="1">
+                <a:hlinkClick r:id="rId2" action="ppaction://hlinksldjump"/>
+              </a:rPr>
+              <a:t>án</a:t>
+            </a:r>
+            <a:endParaRPr lang="en-US" dirty="0"/>
+          </a:p>
+          <a:p>
+            <a:pPr>
+              <a:lnSpc>
+                <a:spcPct val="250000"/>
+              </a:lnSpc>
+            </a:pPr>
+            <a:r>
+              <a:rPr lang="en-US" dirty="0">
+                <a:hlinkClick r:id="rId3" action="ppaction://hlinksldjump"/>
+              </a:rPr>
+              <a:t>II. </a:t>
+            </a:r>
+            <a:r>
+              <a:rPr lang="en-US" dirty="0" err="1">
+                <a:hlinkClick r:id="rId3" action="ppaction://hlinksldjump"/>
+              </a:rPr>
+              <a:t>Thiết</a:t>
+            </a:r>
+            <a:r>
+              <a:rPr lang="en-US" dirty="0">
+                <a:hlinkClick r:id="rId3" action="ppaction://hlinksldjump"/>
+              </a:rPr>
+              <a:t> </a:t>
+            </a:r>
+            <a:r>
+              <a:rPr lang="en-US" dirty="0" err="1">
+                <a:hlinkClick r:id="rId3" action="ppaction://hlinksldjump"/>
+              </a:rPr>
+              <a:t>kế</a:t>
+            </a:r>
+            <a:r>
+              <a:rPr lang="en-US" dirty="0">
+                <a:hlinkClick r:id="rId3" action="ppaction://hlinksldjump"/>
+              </a:rPr>
+              <a:t> </a:t>
+            </a:r>
+            <a:r>
+              <a:rPr lang="en-US" dirty="0" err="1">
+                <a:hlinkClick r:id="rId3" action="ppaction://hlinksldjump"/>
+              </a:rPr>
+              <a:t>hệ</a:t>
+            </a:r>
+            <a:r>
+              <a:rPr lang="en-US" dirty="0">
+                <a:hlinkClick r:id="rId3" action="ppaction://hlinksldjump"/>
+              </a:rPr>
+              <a:t> </a:t>
+            </a:r>
+            <a:r>
+              <a:rPr lang="en-US" dirty="0" err="1">
+                <a:hlinkClick r:id="rId3" action="ppaction://hlinksldjump"/>
+              </a:rPr>
+              <a:t>thống</a:t>
+            </a:r>
+            <a:endParaRPr lang="en-US" dirty="0"/>
+          </a:p>
+          <a:p>
+            <a:pPr>
+              <a:lnSpc>
+                <a:spcPct val="250000"/>
+              </a:lnSpc>
+            </a:pPr>
+            <a:r>
+              <a:rPr lang="en-US" dirty="0">
+                <a:hlinkClick r:id="rId4" action="ppaction://hlinksldjump"/>
+              </a:rPr>
+              <a:t>III. Demo</a:t>
+            </a:r>
+            <a:endParaRPr lang="en-US" dirty="0"/>
+          </a:p>
+        </p:txBody>
+      </p:sp>
+    </p:spTree>
+    <p:extLst>
+      <p:ext uri="{BB962C8B-B14F-4D97-AF65-F5344CB8AC3E}">
+        <p14:creationId xmlns:p14="http://schemas.microsoft.com/office/powerpoint/2010/main" val="292364014"/>
       </p:ext>
     </p:extLst>
   </p:cSld>
@@ -8871,7 +8560,7 @@
           <a:p>
             <a:r>
               <a:rPr lang="en-US" dirty="0"/>
-              <a:t>II. </a:t>
+              <a:t>I. </a:t>
             </a:r>
             <a:r>
               <a:rPr lang="en-US" dirty="0" err="1"/>
@@ -10281,6 +9970,10 @@
           <a:bodyPr/>
           <a:lstStyle/>
           <a:p>
+            <a:r>
+              <a:rPr lang="vi-VN" dirty="0"/>
+              <a:t>Chức năng chính</a:t>
+            </a:r>
             <a:endParaRPr lang="en-US" dirty="0"/>
           </a:p>
         </p:txBody>

--- a/Báo cáo OOP.pptx
+++ b/Báo cáo OOP.pptx
@@ -145,7 +145,7 @@
 <file path=ppt/revisionInfo.xml><?xml version="1.0" encoding="utf-8"?>
 <p1510:revInfo xmlns:a="http://schemas.openxmlformats.org/drawingml/2006/main" xmlns:r="http://schemas.openxmlformats.org/officeDocument/2006/relationships" xmlns:p1510="http://schemas.microsoft.com/office/powerpoint/2015/10/main">
   <p1510:revLst>
-    <p1510:client id="{DC50F419-B6A9-48CC-8C05-AAA3BB7B5788}" v="8" dt="2024-12-25T17:10:42.654"/>
+    <p1510:client id="{DC50F419-B6A9-48CC-8C05-AAA3BB7B5788}" v="10" dt="2024-12-28T07:36:20.229"/>
   </p1510:revLst>
 </p1510:revInfo>
 </file>
@@ -155,7 +155,7 @@
   <pc:docChgLst>
     <pc:chgData name="Nhật Minh" userId="3ef21478a3525a9e" providerId="LiveId" clId="{DC50F419-B6A9-48CC-8C05-AAA3BB7B5788}"/>
     <pc:docChg chg="undo custSel modSld sldOrd">
-      <pc:chgData name="Nhật Minh" userId="3ef21478a3525a9e" providerId="LiveId" clId="{DC50F419-B6A9-48CC-8C05-AAA3BB7B5788}" dt="2024-12-25T17:27:34.878" v="801" actId="20577"/>
+      <pc:chgData name="Nhật Minh" userId="3ef21478a3525a9e" providerId="LiveId" clId="{DC50F419-B6A9-48CC-8C05-AAA3BB7B5788}" dt="2024-12-28T07:36:20.229" v="813"/>
       <pc:docMkLst>
         <pc:docMk/>
       </pc:docMkLst>
@@ -228,13 +228,13 @@
         </pc:spChg>
       </pc:sldChg>
       <pc:sldChg chg="modSp mod">
-        <pc:chgData name="Nhật Minh" userId="3ef21478a3525a9e" providerId="LiveId" clId="{DC50F419-B6A9-48CC-8C05-AAA3BB7B5788}" dt="2024-12-25T17:10:42.654" v="786"/>
+        <pc:chgData name="Nhật Minh" userId="3ef21478a3525a9e" providerId="LiveId" clId="{DC50F419-B6A9-48CC-8C05-AAA3BB7B5788}" dt="2024-12-28T07:36:20.229" v="813"/>
         <pc:sldMkLst>
           <pc:docMk/>
           <pc:sldMk cId="4145214078" sldId="286"/>
         </pc:sldMkLst>
         <pc:spChg chg="mod">
-          <ac:chgData name="Nhật Minh" userId="3ef21478a3525a9e" providerId="LiveId" clId="{DC50F419-B6A9-48CC-8C05-AAA3BB7B5788}" dt="2024-12-25T17:10:42.654" v="786"/>
+          <ac:chgData name="Nhật Minh" userId="3ef21478a3525a9e" providerId="LiveId" clId="{DC50F419-B6A9-48CC-8C05-AAA3BB7B5788}" dt="2024-12-28T07:36:20.229" v="813"/>
           <ac:spMkLst>
             <pc:docMk/>
             <pc:sldMk cId="4145214078" sldId="286"/>
@@ -331,22 +331,6 @@
             <ac:picMk id="5" creationId="{338A3D93-0B9E-7255-0E56-65E1AFCAA3D2}"/>
           </ac:picMkLst>
         </pc:picChg>
-        <pc:picChg chg="del">
-          <ac:chgData name="Nhật Minh" userId="3ef21478a3525a9e" providerId="LiveId" clId="{DC50F419-B6A9-48CC-8C05-AAA3BB7B5788}" dt="2024-12-25T01:26:07.869" v="701" actId="478"/>
-          <ac:picMkLst>
-            <pc:docMk/>
-            <pc:sldMk cId="741635199" sldId="299"/>
-            <ac:picMk id="5" creationId="{B8E0D425-99A9-B2DF-600C-25EC5A5F4F9B}"/>
-          </ac:picMkLst>
-        </pc:picChg>
-        <pc:picChg chg="add del">
-          <ac:chgData name="Nhật Minh" userId="3ef21478a3525a9e" providerId="LiveId" clId="{DC50F419-B6A9-48CC-8C05-AAA3BB7B5788}" dt="2024-12-25T17:27:24.751" v="787" actId="478"/>
-          <ac:picMkLst>
-            <pc:docMk/>
-            <pc:sldMk cId="741635199" sldId="299"/>
-            <ac:picMk id="8" creationId="{59F2DB51-20BD-353A-A573-C10B0181AE1A}"/>
-          </ac:picMkLst>
-        </pc:picChg>
       </pc:sldChg>
       <pc:sldChg chg="modSp mod">
         <pc:chgData name="Nhật Minh" userId="3ef21478a3525a9e" providerId="LiveId" clId="{DC50F419-B6A9-48CC-8C05-AAA3BB7B5788}" dt="2024-12-25T01:38:43.677" v="738" actId="20577"/>
@@ -462,7 +446,7 @@
           <a:p>
             <a:fld id="{48B45424-6BAC-416C-8F6C-5F9DE854A36B}" type="datetimeFigureOut">
               <a:rPr lang="en-US" smtClean="0"/>
-              <a:t>12/26/2024</a:t>
+              <a:t>12/28/2024</a:t>
             </a:fld>
             <a:endParaRPr lang="en-US"/>
           </a:p>
@@ -640,7 +624,7 @@
           <a:p>
             <a:fld id="{6B733702-C25A-40B9-9167-54BAA79B29B0}" type="datetimeFigureOut">
               <a:rPr lang="en-US" smtClean="0"/>
-              <a:t>12/26/2024</a:t>
+              <a:t>12/28/2024</a:t>
             </a:fld>
             <a:endParaRPr lang="en-US"/>
           </a:p>
@@ -1112,7 +1096,7 @@
             <a:fld id="{F70EAA40-3A53-4A3D-924A-D38F1059C7D5}" type="datetime1">
               <a:rPr lang="en-US" smtClean="0"/>
               <a:pPr/>
-              <a:t>12/26/2024</a:t>
+              <a:t>12/28/2024</a:t>
             </a:fld>
             <a:endParaRPr lang="en-US"/>
           </a:p>
@@ -1342,7 +1326,7 @@
             <a:fld id="{F70EAA40-3A53-4A3D-924A-D38F1059C7D5}" type="datetime1">
               <a:rPr lang="en-US" smtClean="0"/>
               <a:pPr/>
-              <a:t>12/26/2024</a:t>
+              <a:t>12/28/2024</a:t>
             </a:fld>
             <a:endParaRPr lang="en-US"/>
           </a:p>
@@ -1676,7 +1660,7 @@
             <a:fld id="{F70EAA40-3A53-4A3D-924A-D38F1059C7D5}" type="datetime1">
               <a:rPr lang="en-US" smtClean="0"/>
               <a:pPr/>
-              <a:t>12/26/2024</a:t>
+              <a:t>12/28/2024</a:t>
             </a:fld>
             <a:endParaRPr lang="en-US"/>
           </a:p>
@@ -2010,7 +1994,7 @@
             <a:fld id="{F70EAA40-3A53-4A3D-924A-D38F1059C7D5}" type="datetime1">
               <a:rPr lang="en-US" smtClean="0"/>
               <a:pPr/>
-              <a:t>12/26/2024</a:t>
+              <a:t>12/28/2024</a:t>
             </a:fld>
             <a:endParaRPr lang="en-US"/>
           </a:p>
@@ -2696,7 +2680,7 @@
             <a:fld id="{F70EAA40-3A53-4A3D-924A-D38F1059C7D5}" type="datetime1">
               <a:rPr lang="en-US" smtClean="0"/>
               <a:pPr/>
-              <a:t>12/26/2024</a:t>
+              <a:t>12/28/2024</a:t>
             </a:fld>
             <a:endParaRPr lang="en-US"/>
           </a:p>
@@ -2886,7 +2870,7 @@
             <a:fld id="{F70EAA40-3A53-4A3D-924A-D38F1059C7D5}" type="datetime1">
               <a:rPr lang="en-US" smtClean="0"/>
               <a:pPr/>
-              <a:t>12/26/2024</a:t>
+              <a:t>12/28/2024</a:t>
             </a:fld>
             <a:endParaRPr lang="en-US"/>
           </a:p>
@@ -3469,7 +3453,7 @@
             <a:fld id="{F70EAA40-3A53-4A3D-924A-D38F1059C7D5}" type="datetime1">
               <a:rPr lang="en-US" smtClean="0"/>
               <a:pPr/>
-              <a:t>12/26/2024</a:t>
+              <a:t>12/28/2024</a:t>
             </a:fld>
             <a:endParaRPr lang="en-US"/>
           </a:p>
@@ -3655,7 +3639,7 @@
             <a:fld id="{F70EAA40-3A53-4A3D-924A-D38F1059C7D5}" type="datetime1">
               <a:rPr lang="en-US" smtClean="0"/>
               <a:pPr/>
-              <a:t>12/26/2024</a:t>
+              <a:t>12/28/2024</a:t>
             </a:fld>
             <a:endParaRPr lang="en-US"/>
           </a:p>
@@ -6033,13 +6017,10 @@
               <a:t>Package </a:t>
             </a:r>
             <a:r>
-              <a:rPr lang="vi-VN" dirty="0"/>
-              <a:t>G</a:t>
-            </a:r>
-            <a:r>
-              <a:rPr lang="en-US" dirty="0"/>
-              <a:t>UI</a:t>
-            </a:r>
+              <a:rPr lang="vi-VN" dirty="0" err="1"/>
+              <a:t>Function</a:t>
+            </a:r>
+            <a:endParaRPr lang="en-US" dirty="0"/>
           </a:p>
         </p:txBody>
       </p:sp>

--- a/Báo cáo OOP.pptx
+++ b/Báo cáo OOP.pptx
@@ -5,10 +5,10 @@
     <p:sldMasterId id="2147483658" r:id="rId1"/>
   </p:sldMasterIdLst>
   <p:notesMasterIdLst>
-    <p:notesMasterId r:id="rId24"/>
+    <p:notesMasterId r:id="rId25"/>
   </p:notesMasterIdLst>
   <p:handoutMasterIdLst>
-    <p:handoutMasterId r:id="rId25"/>
+    <p:handoutMasterId r:id="rId26"/>
   </p:handoutMasterIdLst>
   <p:sldIdLst>
     <p:sldId id="275" r:id="rId2"/>
@@ -26,13 +26,14 @@
     <p:sldId id="283" r:id="rId14"/>
     <p:sldId id="285" r:id="rId15"/>
     <p:sldId id="289" r:id="rId16"/>
-    <p:sldId id="286" r:id="rId17"/>
-    <p:sldId id="287" r:id="rId18"/>
-    <p:sldId id="299" r:id="rId19"/>
-    <p:sldId id="288" r:id="rId20"/>
-    <p:sldId id="290" r:id="rId21"/>
-    <p:sldId id="300" r:id="rId22"/>
-    <p:sldId id="269" r:id="rId23"/>
+    <p:sldId id="301" r:id="rId17"/>
+    <p:sldId id="286" r:id="rId18"/>
+    <p:sldId id="287" r:id="rId19"/>
+    <p:sldId id="299" r:id="rId20"/>
+    <p:sldId id="288" r:id="rId21"/>
+    <p:sldId id="290" r:id="rId22"/>
+    <p:sldId id="300" r:id="rId23"/>
+    <p:sldId id="269" r:id="rId24"/>
   </p:sldIdLst>
   <p:sldSz cx="9144000" cy="6858000" type="screen4x3"/>
   <p:notesSz cx="6858000" cy="9144000"/>
@@ -154,8 +155,8 @@
 <pc:chgInfo xmlns:a="http://schemas.openxmlformats.org/drawingml/2006/main" xmlns:r="http://schemas.openxmlformats.org/officeDocument/2006/relationships" xmlns:ac="http://schemas.microsoft.com/office/drawing/2013/main/command" xmlns:pc="http://schemas.microsoft.com/office/powerpoint/2013/main/command">
   <pc:docChgLst>
     <pc:chgData name="Nhật Minh" userId="3ef21478a3525a9e" providerId="LiveId" clId="{DC50F419-B6A9-48CC-8C05-AAA3BB7B5788}"/>
-    <pc:docChg chg="undo custSel modSld sldOrd">
-      <pc:chgData name="Nhật Minh" userId="3ef21478a3525a9e" providerId="LiveId" clId="{DC50F419-B6A9-48CC-8C05-AAA3BB7B5788}" dt="2024-12-28T07:36:20.229" v="813"/>
+    <pc:docChg chg="undo custSel addSld delSld modSld sldOrd">
+      <pc:chgData name="Nhật Minh" userId="3ef21478a3525a9e" providerId="LiveId" clId="{DC50F419-B6A9-48CC-8C05-AAA3BB7B5788}" dt="2025-01-03T12:59:06.579" v="824" actId="478"/>
       <pc:docMkLst>
         <pc:docMk/>
       </pc:docMkLst>
@@ -227,8 +228,8 @@
           </ac:spMkLst>
         </pc:spChg>
       </pc:sldChg>
-      <pc:sldChg chg="modSp mod">
-        <pc:chgData name="Nhật Minh" userId="3ef21478a3525a9e" providerId="LiveId" clId="{DC50F419-B6A9-48CC-8C05-AAA3BB7B5788}" dt="2024-12-28T07:36:20.229" v="813"/>
+      <pc:sldChg chg="modSp mod ord">
+        <pc:chgData name="Nhật Minh" userId="3ef21478a3525a9e" providerId="LiveId" clId="{DC50F419-B6A9-48CC-8C05-AAA3BB7B5788}" dt="2025-01-03T12:58:45.399" v="816"/>
         <pc:sldMkLst>
           <pc:docMk/>
           <pc:sldMk cId="4145214078" sldId="286"/>
@@ -347,6 +348,60 @@
           </ac:spMkLst>
         </pc:spChg>
       </pc:sldChg>
+      <pc:sldChg chg="addSp delSp modSp new del mod">
+        <pc:chgData name="Nhật Minh" userId="3ef21478a3525a9e" providerId="LiveId" clId="{DC50F419-B6A9-48CC-8C05-AAA3BB7B5788}" dt="2025-01-03T12:58:56.176" v="819" actId="47"/>
+        <pc:sldMkLst>
+          <pc:docMk/>
+          <pc:sldMk cId="460318736" sldId="301"/>
+        </pc:sldMkLst>
+        <pc:spChg chg="add del">
+          <ac:chgData name="Nhật Minh" userId="3ef21478a3525a9e" providerId="LiveId" clId="{DC50F419-B6A9-48CC-8C05-AAA3BB7B5788}" dt="2025-01-03T12:58:50.523" v="818" actId="22"/>
+          <ac:spMkLst>
+            <pc:docMk/>
+            <pc:sldMk cId="460318736" sldId="301"/>
+            <ac:spMk id="4" creationId="{E33A11DD-9C2A-FC83-912D-EF8DB1B5F1C2}"/>
+          </ac:spMkLst>
+        </pc:spChg>
+        <pc:picChg chg="add del mod ord">
+          <ac:chgData name="Nhật Minh" userId="3ef21478a3525a9e" providerId="LiveId" clId="{DC50F419-B6A9-48CC-8C05-AAA3BB7B5788}" dt="2025-01-03T12:58:50.523" v="818" actId="22"/>
+          <ac:picMkLst>
+            <pc:docMk/>
+            <pc:sldMk cId="460318736" sldId="301"/>
+            <ac:picMk id="6" creationId="{31234839-ADDD-5D66-0B0C-232E59435E9C}"/>
+          </ac:picMkLst>
+        </pc:picChg>
+      </pc:sldChg>
+      <pc:sldChg chg="addSp delSp modSp add mod">
+        <pc:chgData name="Nhật Minh" userId="3ef21478a3525a9e" providerId="LiveId" clId="{DC50F419-B6A9-48CC-8C05-AAA3BB7B5788}" dt="2025-01-03T12:59:06.579" v="824" actId="478"/>
+        <pc:sldMkLst>
+          <pc:docMk/>
+          <pc:sldMk cId="1350131416" sldId="301"/>
+        </pc:sldMkLst>
+        <pc:spChg chg="mod">
+          <ac:chgData name="Nhật Minh" userId="3ef21478a3525a9e" providerId="LiveId" clId="{DC50F419-B6A9-48CC-8C05-AAA3BB7B5788}" dt="2025-01-03T12:59:02.852" v="822" actId="20577"/>
+          <ac:spMkLst>
+            <pc:docMk/>
+            <pc:sldMk cId="1350131416" sldId="301"/>
+            <ac:spMk id="4" creationId="{6A017857-863E-F281-53D1-482837CDF5D5}"/>
+          </ac:spMkLst>
+        </pc:spChg>
+        <pc:picChg chg="del">
+          <ac:chgData name="Nhật Minh" userId="3ef21478a3525a9e" providerId="LiveId" clId="{DC50F419-B6A9-48CC-8C05-AAA3BB7B5788}" dt="2025-01-03T12:59:06.579" v="824" actId="478"/>
+          <ac:picMkLst>
+            <pc:docMk/>
+            <pc:sldMk cId="1350131416" sldId="301"/>
+            <ac:picMk id="5" creationId="{B3608656-430D-F832-FC94-F80D985FFD5A}"/>
+          </ac:picMkLst>
+        </pc:picChg>
+        <pc:picChg chg="add">
+          <ac:chgData name="Nhật Minh" userId="3ef21478a3525a9e" providerId="LiveId" clId="{DC50F419-B6A9-48CC-8C05-AAA3BB7B5788}" dt="2025-01-03T12:59:04.595" v="823" actId="22"/>
+          <ac:picMkLst>
+            <pc:docMk/>
+            <pc:sldMk cId="1350131416" sldId="301"/>
+            <ac:picMk id="7" creationId="{D4CDE371-6946-180D-A5F5-E0130559F2D6}"/>
+          </ac:picMkLst>
+        </pc:picChg>
+      </pc:sldChg>
     </pc:docChg>
   </pc:docChgLst>
 </pc:chgInfo>
@@ -446,7 +501,7 @@
           <a:p>
             <a:fld id="{48B45424-6BAC-416C-8F6C-5F9DE854A36B}" type="datetimeFigureOut">
               <a:rPr lang="en-US" smtClean="0"/>
-              <a:t>12/28/2024</a:t>
+              <a:t>1/3/2025</a:t>
             </a:fld>
             <a:endParaRPr lang="en-US"/>
           </a:p>
@@ -624,7 +679,7 @@
           <a:p>
             <a:fld id="{6B733702-C25A-40B9-9167-54BAA79B29B0}" type="datetimeFigureOut">
               <a:rPr lang="en-US" smtClean="0"/>
-              <a:t>12/28/2024</a:t>
+              <a:t>1/3/2025</a:t>
             </a:fld>
             <a:endParaRPr lang="en-US"/>
           </a:p>
@@ -976,6 +1031,114 @@
 </p:notes>
 </file>
 
+<file path=ppt/notesSlides/notesSlide2.xml><?xml version="1.0" encoding="utf-8"?>
+<p:notes xmlns:a="http://schemas.openxmlformats.org/drawingml/2006/main" xmlns:r="http://schemas.openxmlformats.org/officeDocument/2006/relationships" xmlns:p="http://schemas.openxmlformats.org/presentationml/2006/main">
+  <p:cSld>
+    <p:spTree>
+      <p:nvGrpSpPr>
+        <p:cNvPr id="1" name="">
+          <a:extLst>
+            <a:ext uri="{FF2B5EF4-FFF2-40B4-BE49-F238E27FC236}">
+              <a16:creationId xmlns:a16="http://schemas.microsoft.com/office/drawing/2014/main" id="{359AE51F-24E3-D171-C9C4-1F086FD65AF4}"/>
+            </a:ext>
+          </a:extLst>
+        </p:cNvPr>
+        <p:cNvGrpSpPr/>
+        <p:nvPr/>
+      </p:nvGrpSpPr>
+      <p:grpSpPr>
+        <a:xfrm>
+          <a:off x="0" y="0"/>
+          <a:ext cx="0" cy="0"/>
+          <a:chOff x="0" y="0"/>
+          <a:chExt cx="0" cy="0"/>
+        </a:xfrm>
+      </p:grpSpPr>
+      <p:sp>
+        <p:nvSpPr>
+          <p:cNvPr id="2" name="Slide Image Placeholder 1">
+            <a:extLst>
+              <a:ext uri="{FF2B5EF4-FFF2-40B4-BE49-F238E27FC236}">
+                <a16:creationId xmlns:a16="http://schemas.microsoft.com/office/drawing/2014/main" id="{F8A6A201-EFE2-F4CE-5579-1F5BEB0C940A}"/>
+              </a:ext>
+            </a:extLst>
+          </p:cNvPr>
+          <p:cNvSpPr>
+            <a:spLocks noGrp="1" noRot="1" noChangeAspect="1"/>
+          </p:cNvSpPr>
+          <p:nvPr>
+            <p:ph type="sldImg"/>
+          </p:nvPr>
+        </p:nvSpPr>
+        <p:spPr/>
+      </p:sp>
+      <p:sp>
+        <p:nvSpPr>
+          <p:cNvPr id="3" name="Notes Placeholder 2">
+            <a:extLst>
+              <a:ext uri="{FF2B5EF4-FFF2-40B4-BE49-F238E27FC236}">
+                <a16:creationId xmlns:a16="http://schemas.microsoft.com/office/drawing/2014/main" id="{19ADD76E-79E3-00D3-F469-A1AD6F17A898}"/>
+              </a:ext>
+            </a:extLst>
+          </p:cNvPr>
+          <p:cNvSpPr>
+            <a:spLocks noGrp="1"/>
+          </p:cNvSpPr>
+          <p:nvPr>
+            <p:ph type="body" idx="1"/>
+          </p:nvPr>
+        </p:nvSpPr>
+        <p:spPr/>
+        <p:txBody>
+          <a:bodyPr/>
+          <a:lstStyle/>
+          <a:p>
+            <a:endParaRPr lang="en-US"/>
+          </a:p>
+        </p:txBody>
+      </p:sp>
+      <p:sp>
+        <p:nvSpPr>
+          <p:cNvPr id="4" name="Slide Number Placeholder 3">
+            <a:extLst>
+              <a:ext uri="{FF2B5EF4-FFF2-40B4-BE49-F238E27FC236}">
+                <a16:creationId xmlns:a16="http://schemas.microsoft.com/office/drawing/2014/main" id="{54497BB6-3ED7-C899-9B86-7CC8B04A9EF3}"/>
+              </a:ext>
+            </a:extLst>
+          </p:cNvPr>
+          <p:cNvSpPr>
+            <a:spLocks noGrp="1"/>
+          </p:cNvSpPr>
+          <p:nvPr>
+            <p:ph type="sldNum" sz="quarter" idx="5"/>
+          </p:nvPr>
+        </p:nvSpPr>
+        <p:spPr/>
+        <p:txBody>
+          <a:bodyPr/>
+          <a:lstStyle/>
+          <a:p>
+            <a:fld id="{AB2FC7A4-3D1B-482D-8C9D-7642A2CE3076}" type="slidenum">
+              <a:rPr lang="en-US" smtClean="0"/>
+              <a:t>16</a:t>
+            </a:fld>
+            <a:endParaRPr lang="en-US"/>
+          </a:p>
+        </p:txBody>
+      </p:sp>
+    </p:spTree>
+    <p:extLst>
+      <p:ext uri="{BB962C8B-B14F-4D97-AF65-F5344CB8AC3E}">
+        <p14:creationId xmlns:p14="http://schemas.microsoft.com/office/powerpoint/2010/main" val="3752062505"/>
+      </p:ext>
+    </p:extLst>
+  </p:cSld>
+  <p:clrMapOvr>
+    <a:masterClrMapping/>
+  </p:clrMapOvr>
+</p:notes>
+</file>
+
 <file path=ppt/slideLayouts/slideLayout1.xml><?xml version="1.0" encoding="utf-8"?>
 <p:sldLayout xmlns:a="http://schemas.openxmlformats.org/drawingml/2006/main" xmlns:r="http://schemas.openxmlformats.org/officeDocument/2006/relationships" xmlns:p="http://schemas.openxmlformats.org/presentationml/2006/main" userDrawn="1">
   <p:cSld name="Custom Layout">
@@ -1096,7 +1259,7 @@
             <a:fld id="{F70EAA40-3A53-4A3D-924A-D38F1059C7D5}" type="datetime1">
               <a:rPr lang="en-US" smtClean="0"/>
               <a:pPr/>
-              <a:t>12/28/2024</a:t>
+              <a:t>1/3/2025</a:t>
             </a:fld>
             <a:endParaRPr lang="en-US"/>
           </a:p>
@@ -1326,7 +1489,7 @@
             <a:fld id="{F70EAA40-3A53-4A3D-924A-D38F1059C7D5}" type="datetime1">
               <a:rPr lang="en-US" smtClean="0"/>
               <a:pPr/>
-              <a:t>12/28/2024</a:t>
+              <a:t>1/3/2025</a:t>
             </a:fld>
             <a:endParaRPr lang="en-US"/>
           </a:p>
@@ -1660,7 +1823,7 @@
             <a:fld id="{F70EAA40-3A53-4A3D-924A-D38F1059C7D5}" type="datetime1">
               <a:rPr lang="en-US" smtClean="0"/>
               <a:pPr/>
-              <a:t>12/28/2024</a:t>
+              <a:t>1/3/2025</a:t>
             </a:fld>
             <a:endParaRPr lang="en-US"/>
           </a:p>
@@ -1994,7 +2157,7 @@
             <a:fld id="{F70EAA40-3A53-4A3D-924A-D38F1059C7D5}" type="datetime1">
               <a:rPr lang="en-US" smtClean="0"/>
               <a:pPr/>
-              <a:t>12/28/2024</a:t>
+              <a:t>1/3/2025</a:t>
             </a:fld>
             <a:endParaRPr lang="en-US"/>
           </a:p>
@@ -2680,7 +2843,7 @@
             <a:fld id="{F70EAA40-3A53-4A3D-924A-D38F1059C7D5}" type="datetime1">
               <a:rPr lang="en-US" smtClean="0"/>
               <a:pPr/>
-              <a:t>12/28/2024</a:t>
+              <a:t>1/3/2025</a:t>
             </a:fld>
             <a:endParaRPr lang="en-US"/>
           </a:p>
@@ -2870,7 +3033,7 @@
             <a:fld id="{F70EAA40-3A53-4A3D-924A-D38F1059C7D5}" type="datetime1">
               <a:rPr lang="en-US" smtClean="0"/>
               <a:pPr/>
-              <a:t>12/28/2024</a:t>
+              <a:t>1/3/2025</a:t>
             </a:fld>
             <a:endParaRPr lang="en-US"/>
           </a:p>
@@ -3453,7 +3616,7 @@
             <a:fld id="{F70EAA40-3A53-4A3D-924A-D38F1059C7D5}" type="datetime1">
               <a:rPr lang="en-US" smtClean="0"/>
               <a:pPr/>
-              <a:t>12/28/2024</a:t>
+              <a:t>1/3/2025</a:t>
             </a:fld>
             <a:endParaRPr lang="en-US"/>
           </a:p>
@@ -3639,7 +3802,7 @@
             <a:fld id="{F70EAA40-3A53-4A3D-924A-D38F1059C7D5}" type="datetime1">
               <a:rPr lang="en-US" smtClean="0"/>
               <a:pPr/>
-              <a:t>12/28/2024</a:t>
+              <a:t>1/3/2025</a:t>
             </a:fld>
             <a:endParaRPr lang="en-US"/>
           </a:p>
@@ -5918,6 +6081,155 @@
         <p:cNvPr id="1" name="">
           <a:extLst>
             <a:ext uri="{FF2B5EF4-FFF2-40B4-BE49-F238E27FC236}">
+              <a16:creationId xmlns:a16="http://schemas.microsoft.com/office/drawing/2014/main" id="{BF16ADE5-57BE-AD08-C291-F3BF00BFC1FE}"/>
+            </a:ext>
+          </a:extLst>
+        </p:cNvPr>
+        <p:cNvGrpSpPr/>
+        <p:nvPr/>
+      </p:nvGrpSpPr>
+      <p:grpSpPr>
+        <a:xfrm>
+          <a:off x="0" y="0"/>
+          <a:ext cx="0" cy="0"/>
+          <a:chOff x="0" y="0"/>
+          <a:chExt cx="0" cy="0"/>
+        </a:xfrm>
+      </p:grpSpPr>
+      <p:sp>
+        <p:nvSpPr>
+          <p:cNvPr id="2" name="Slide Number Placeholder 1">
+            <a:extLst>
+              <a:ext uri="{FF2B5EF4-FFF2-40B4-BE49-F238E27FC236}">
+                <a16:creationId xmlns:a16="http://schemas.microsoft.com/office/drawing/2014/main" id="{842C1698-2FB1-E857-F651-8960106330B6}"/>
+              </a:ext>
+            </a:extLst>
+          </p:cNvPr>
+          <p:cNvSpPr>
+            <a:spLocks noGrp="1"/>
+          </p:cNvSpPr>
+          <p:nvPr>
+            <p:ph type="sldNum" sz="quarter" idx="12"/>
+          </p:nvPr>
+        </p:nvSpPr>
+        <p:spPr/>
+        <p:txBody>
+          <a:bodyPr/>
+          <a:lstStyle/>
+          <a:p>
+            <a:fld id="{9EA0BE3B-158A-4EDF-80DC-E394A0D1600F}" type="slidenum">
+              <a:rPr lang="en-US" smtClean="0"/>
+              <a:pPr/>
+              <a:t>16</a:t>
+            </a:fld>
+            <a:endParaRPr lang="en-US" dirty="0"/>
+          </a:p>
+        </p:txBody>
+      </p:sp>
+      <p:sp>
+        <p:nvSpPr>
+          <p:cNvPr id="3" name="Title 2">
+            <a:extLst>
+              <a:ext uri="{FF2B5EF4-FFF2-40B4-BE49-F238E27FC236}">
+                <a16:creationId xmlns:a16="http://schemas.microsoft.com/office/drawing/2014/main" id="{E612ED33-DCD0-0659-9CAC-1ECFD729B2D0}"/>
+              </a:ext>
+            </a:extLst>
+          </p:cNvPr>
+          <p:cNvSpPr>
+            <a:spLocks noGrp="1"/>
+          </p:cNvSpPr>
+          <p:nvPr>
+            <p:ph type="title"/>
+          </p:nvPr>
+        </p:nvSpPr>
+        <p:spPr/>
+        <p:txBody>
+          <a:bodyPr/>
+          <a:lstStyle/>
+          <a:p>
+            <a:endParaRPr lang="en-US" dirty="0"/>
+          </a:p>
+        </p:txBody>
+      </p:sp>
+      <p:sp>
+        <p:nvSpPr>
+          <p:cNvPr id="4" name="Content Placeholder 3">
+            <a:extLst>
+              <a:ext uri="{FF2B5EF4-FFF2-40B4-BE49-F238E27FC236}">
+                <a16:creationId xmlns:a16="http://schemas.microsoft.com/office/drawing/2014/main" id="{6A017857-863E-F281-53D1-482837CDF5D5}"/>
+              </a:ext>
+            </a:extLst>
+          </p:cNvPr>
+          <p:cNvSpPr>
+            <a:spLocks noGrp="1"/>
+          </p:cNvSpPr>
+          <p:nvPr>
+            <p:ph sz="quarter" idx="13"/>
+          </p:nvPr>
+        </p:nvSpPr>
+        <p:spPr/>
+        <p:txBody>
+          <a:bodyPr/>
+          <a:lstStyle/>
+          <a:p>
+            <a:r>
+              <a:rPr lang="en-US" dirty="0"/>
+              <a:t>Package DB</a:t>
+            </a:r>
+          </a:p>
+        </p:txBody>
+      </p:sp>
+      <p:pic>
+        <p:nvPicPr>
+          <p:cNvPr id="7" name="Picture 6">
+            <a:extLst>
+              <a:ext uri="{FF2B5EF4-FFF2-40B4-BE49-F238E27FC236}">
+                <a16:creationId xmlns:a16="http://schemas.microsoft.com/office/drawing/2014/main" id="{D4CDE371-6946-180D-A5F5-E0130559F2D6}"/>
+              </a:ext>
+            </a:extLst>
+          </p:cNvPr>
+          <p:cNvPicPr>
+            <a:picLocks noChangeAspect="1"/>
+          </p:cNvPicPr>
+          <p:nvPr/>
+        </p:nvPicPr>
+        <p:blipFill>
+          <a:blip r:embed="rId3"/>
+          <a:stretch>
+            <a:fillRect/>
+          </a:stretch>
+        </p:blipFill>
+        <p:spPr>
+          <a:xfrm>
+            <a:off x="1685522" y="1847629"/>
+            <a:ext cx="5772956" cy="3162741"/>
+          </a:xfrm>
+          <a:prstGeom prst="rect">
+            <a:avLst/>
+          </a:prstGeom>
+        </p:spPr>
+      </p:pic>
+    </p:spTree>
+    <p:extLst>
+      <p:ext uri="{BB962C8B-B14F-4D97-AF65-F5344CB8AC3E}">
+        <p14:creationId xmlns:p14="http://schemas.microsoft.com/office/powerpoint/2010/main" val="1350131416"/>
+      </p:ext>
+    </p:extLst>
+  </p:cSld>
+  <p:clrMapOvr>
+    <a:masterClrMapping/>
+  </p:clrMapOvr>
+</p:sld>
+</file>
+
+<file path=ppt/slides/slide17.xml><?xml version="1.0" encoding="utf-8"?>
+<p:sld xmlns:a="http://schemas.openxmlformats.org/drawingml/2006/main" xmlns:r="http://schemas.openxmlformats.org/officeDocument/2006/relationships" xmlns:p="http://schemas.openxmlformats.org/presentationml/2006/main">
+  <p:cSld>
+    <p:spTree>
+      <p:nvGrpSpPr>
+        <p:cNvPr id="1" name="">
+          <a:extLst>
+            <a:ext uri="{FF2B5EF4-FFF2-40B4-BE49-F238E27FC236}">
               <a16:creationId xmlns:a16="http://schemas.microsoft.com/office/drawing/2014/main" id="{66E1BD3B-43EF-7455-FCAE-4D0B68E67405}"/>
             </a:ext>
           </a:extLst>
@@ -5957,7 +6269,7 @@
             <a:fld id="{9EA0BE3B-158A-4EDF-80DC-E394A0D1600F}" type="slidenum">
               <a:rPr lang="en-US" smtClean="0"/>
               <a:pPr/>
-              <a:t>16</a:t>
+              <a:t>17</a:t>
             </a:fld>
             <a:endParaRPr lang="en-US" dirty="0"/>
           </a:p>
@@ -6067,7 +6379,7 @@
 </p:sld>
 </file>
 
-<file path=ppt/slides/slide17.xml><?xml version="1.0" encoding="utf-8"?>
+<file path=ppt/slides/slide18.xml><?xml version="1.0" encoding="utf-8"?>
 <p:sld xmlns:a="http://schemas.openxmlformats.org/drawingml/2006/main" xmlns:r="http://schemas.openxmlformats.org/officeDocument/2006/relationships" xmlns:p="http://schemas.openxmlformats.org/presentationml/2006/main">
   <p:cSld>
     <p:spTree>
@@ -6114,7 +6426,7 @@
             <a:fld id="{9EA0BE3B-158A-4EDF-80DC-E394A0D1600F}" type="slidenum">
               <a:rPr lang="en-US" smtClean="0"/>
               <a:pPr/>
-              <a:t>17</a:t>
+              <a:t>18</a:t>
             </a:fld>
             <a:endParaRPr lang="en-US" dirty="0"/>
           </a:p>
@@ -6190,7 +6502,7 @@
 </p:sld>
 </file>
 
-<file path=ppt/slides/slide18.xml><?xml version="1.0" encoding="utf-8"?>
+<file path=ppt/slides/slide19.xml><?xml version="1.0" encoding="utf-8"?>
 <p:sld xmlns:a="http://schemas.openxmlformats.org/drawingml/2006/main" xmlns:r="http://schemas.openxmlformats.org/officeDocument/2006/relationships" xmlns:p="http://schemas.openxmlformats.org/presentationml/2006/main">
   <p:cSld>
     <p:spTree>
@@ -6231,7 +6543,7 @@
             <a:fld id="{9EA0BE3B-158A-4EDF-80DC-E394A0D1600F}" type="slidenum">
               <a:rPr lang="en-US" smtClean="0"/>
               <a:pPr/>
-              <a:t>18</a:t>
+              <a:t>19</a:t>
             </a:fld>
             <a:endParaRPr lang="en-US" dirty="0"/>
           </a:p>
@@ -6329,196 +6641,6 @@
     <p:extLst>
       <p:ext uri="{BB962C8B-B14F-4D97-AF65-F5344CB8AC3E}">
         <p14:creationId xmlns:p14="http://schemas.microsoft.com/office/powerpoint/2010/main" val="741635199"/>
-      </p:ext>
-    </p:extLst>
-  </p:cSld>
-  <p:clrMapOvr>
-    <a:masterClrMapping/>
-  </p:clrMapOvr>
-</p:sld>
-</file>
-
-<file path=ppt/slides/slide19.xml><?xml version="1.0" encoding="utf-8"?>
-<p:sld xmlns:a="http://schemas.openxmlformats.org/drawingml/2006/main" xmlns:r="http://schemas.openxmlformats.org/officeDocument/2006/relationships" xmlns:p="http://schemas.openxmlformats.org/presentationml/2006/main">
-  <p:cSld>
-    <p:spTree>
-      <p:nvGrpSpPr>
-        <p:cNvPr id="1" name="">
-          <a:extLst>
-            <a:ext uri="{FF2B5EF4-FFF2-40B4-BE49-F238E27FC236}">
-              <a16:creationId xmlns:a16="http://schemas.microsoft.com/office/drawing/2014/main" id="{064B459C-1593-3C5E-2725-AD73104D61A7}"/>
-            </a:ext>
-          </a:extLst>
-        </p:cNvPr>
-        <p:cNvGrpSpPr/>
-        <p:nvPr/>
-      </p:nvGrpSpPr>
-      <p:grpSpPr>
-        <a:xfrm>
-          <a:off x="0" y="0"/>
-          <a:ext cx="0" cy="0"/>
-          <a:chOff x="0" y="0"/>
-          <a:chExt cx="0" cy="0"/>
-        </a:xfrm>
-      </p:grpSpPr>
-      <p:sp>
-        <p:nvSpPr>
-          <p:cNvPr id="2" name="Slide Number Placeholder 1">
-            <a:extLst>
-              <a:ext uri="{FF2B5EF4-FFF2-40B4-BE49-F238E27FC236}">
-                <a16:creationId xmlns:a16="http://schemas.microsoft.com/office/drawing/2014/main" id="{A335EFF7-243D-4A43-4B26-7F0F66F84AFE}"/>
-              </a:ext>
-            </a:extLst>
-          </p:cNvPr>
-          <p:cNvSpPr>
-            <a:spLocks noGrp="1"/>
-          </p:cNvSpPr>
-          <p:nvPr>
-            <p:ph type="sldNum" sz="quarter" idx="12"/>
-          </p:nvPr>
-        </p:nvSpPr>
-        <p:spPr/>
-        <p:txBody>
-          <a:bodyPr/>
-          <a:lstStyle/>
-          <a:p>
-            <a:fld id="{9EA0BE3B-158A-4EDF-80DC-E394A0D1600F}" type="slidenum">
-              <a:rPr lang="en-US" smtClean="0"/>
-              <a:pPr/>
-              <a:t>19</a:t>
-            </a:fld>
-            <a:endParaRPr lang="en-US" dirty="0"/>
-          </a:p>
-        </p:txBody>
-      </p:sp>
-      <p:sp>
-        <p:nvSpPr>
-          <p:cNvPr id="3" name="Title 2">
-            <a:extLst>
-              <a:ext uri="{FF2B5EF4-FFF2-40B4-BE49-F238E27FC236}">
-                <a16:creationId xmlns:a16="http://schemas.microsoft.com/office/drawing/2014/main" id="{8ED349EA-53FF-3065-2251-57670E502522}"/>
-              </a:ext>
-            </a:extLst>
-          </p:cNvPr>
-          <p:cNvSpPr>
-            <a:spLocks noGrp="1"/>
-          </p:cNvSpPr>
-          <p:nvPr>
-            <p:ph type="title"/>
-          </p:nvPr>
-        </p:nvSpPr>
-        <p:spPr/>
-        <p:txBody>
-          <a:bodyPr/>
-          <a:lstStyle/>
-          <a:p>
-            <a:endParaRPr lang="en-US" dirty="0"/>
-          </a:p>
-        </p:txBody>
-      </p:sp>
-      <p:sp>
-        <p:nvSpPr>
-          <p:cNvPr id="4" name="Content Placeholder 3">
-            <a:extLst>
-              <a:ext uri="{FF2B5EF4-FFF2-40B4-BE49-F238E27FC236}">
-                <a16:creationId xmlns:a16="http://schemas.microsoft.com/office/drawing/2014/main" id="{A960DCC3-EE58-B857-9059-02F3526BA1DE}"/>
-              </a:ext>
-            </a:extLst>
-          </p:cNvPr>
-          <p:cNvSpPr>
-            <a:spLocks noGrp="1"/>
-          </p:cNvSpPr>
-          <p:nvPr>
-            <p:ph sz="quarter" idx="13"/>
-          </p:nvPr>
-        </p:nvSpPr>
-        <p:spPr/>
-        <p:txBody>
-          <a:bodyPr/>
-          <a:lstStyle/>
-          <a:p>
-            <a:r>
-              <a:rPr lang="en-US" dirty="0"/>
-              <a:t>Package Java </a:t>
-            </a:r>
-            <a:r>
-              <a:rPr lang="en-US" dirty="0" err="1"/>
-              <a:t>và</a:t>
-            </a:r>
-            <a:r>
-              <a:rPr lang="en-US" dirty="0"/>
-              <a:t> JavaFX</a:t>
-            </a:r>
-            <a:endParaRPr lang="en-US" dirty="0">
-              <a:effectLst/>
-            </a:endParaRPr>
-          </a:p>
-        </p:txBody>
-      </p:sp>
-      <p:pic>
-        <p:nvPicPr>
-          <p:cNvPr id="5" name="Hình ảnh 1" descr="Ảnh có chứa biểu đồ, ảnh chụp màn hình, hàng, Hình chữ nhật&#10;&#10;Mô tả được tạo tự động">
-            <a:extLst>
-              <a:ext uri="{FF2B5EF4-FFF2-40B4-BE49-F238E27FC236}">
-                <a16:creationId xmlns:a16="http://schemas.microsoft.com/office/drawing/2014/main" id="{09A6B473-C251-5C7C-27B9-37E299BAFBD4}"/>
-              </a:ext>
-            </a:extLst>
-          </p:cNvPr>
-          <p:cNvPicPr>
-            <a:picLocks noChangeAspect="1"/>
-          </p:cNvPicPr>
-          <p:nvPr/>
-        </p:nvPicPr>
-        <p:blipFill>
-          <a:blip r:embed="rId2"/>
-          <a:stretch>
-            <a:fillRect/>
-          </a:stretch>
-        </p:blipFill>
-        <p:spPr>
-          <a:xfrm>
-            <a:off x="1538294" y="1793053"/>
-            <a:ext cx="5731510" cy="1270000"/>
-          </a:xfrm>
-          <a:prstGeom prst="rect">
-            <a:avLst/>
-          </a:prstGeom>
-        </p:spPr>
-      </p:pic>
-      <p:pic>
-        <p:nvPicPr>
-          <p:cNvPr id="7" name="Hình ảnh 1" descr="Ảnh có chứa hàng, ảnh chụp màn hình, biểu đồ, Hình chữ nhật&#10;&#10;Mô tả được tạo tự động">
-            <a:extLst>
-              <a:ext uri="{FF2B5EF4-FFF2-40B4-BE49-F238E27FC236}">
-                <a16:creationId xmlns:a16="http://schemas.microsoft.com/office/drawing/2014/main" id="{7C6FF4EE-26AE-F48F-49D8-8B06019DDC1D}"/>
-              </a:ext>
-            </a:extLst>
-          </p:cNvPr>
-          <p:cNvPicPr>
-            <a:picLocks noChangeAspect="1"/>
-          </p:cNvPicPr>
-          <p:nvPr/>
-        </p:nvPicPr>
-        <p:blipFill>
-          <a:blip r:embed="rId3"/>
-          <a:stretch>
-            <a:fillRect/>
-          </a:stretch>
-        </p:blipFill>
-        <p:spPr>
-          <a:xfrm>
-            <a:off x="1538294" y="3902806"/>
-            <a:ext cx="5731510" cy="1402080"/>
-          </a:xfrm>
-          <a:prstGeom prst="rect">
-            <a:avLst/>
-          </a:prstGeom>
-        </p:spPr>
-      </p:pic>
-    </p:spTree>
-    <p:extLst>
-      <p:ext uri="{BB962C8B-B14F-4D97-AF65-F5344CB8AC3E}">
-        <p14:creationId xmlns:p14="http://schemas.microsoft.com/office/powerpoint/2010/main" val="1953877309"/>
       </p:ext>
     </p:extLst>
   </p:cSld>
@@ -6876,6 +6998,196 @@
 </file>
 
 <file path=ppt/slides/slide20.xml><?xml version="1.0" encoding="utf-8"?>
+<p:sld xmlns:a="http://schemas.openxmlformats.org/drawingml/2006/main" xmlns:r="http://schemas.openxmlformats.org/officeDocument/2006/relationships" xmlns:p="http://schemas.openxmlformats.org/presentationml/2006/main">
+  <p:cSld>
+    <p:spTree>
+      <p:nvGrpSpPr>
+        <p:cNvPr id="1" name="">
+          <a:extLst>
+            <a:ext uri="{FF2B5EF4-FFF2-40B4-BE49-F238E27FC236}">
+              <a16:creationId xmlns:a16="http://schemas.microsoft.com/office/drawing/2014/main" id="{064B459C-1593-3C5E-2725-AD73104D61A7}"/>
+            </a:ext>
+          </a:extLst>
+        </p:cNvPr>
+        <p:cNvGrpSpPr/>
+        <p:nvPr/>
+      </p:nvGrpSpPr>
+      <p:grpSpPr>
+        <a:xfrm>
+          <a:off x="0" y="0"/>
+          <a:ext cx="0" cy="0"/>
+          <a:chOff x="0" y="0"/>
+          <a:chExt cx="0" cy="0"/>
+        </a:xfrm>
+      </p:grpSpPr>
+      <p:sp>
+        <p:nvSpPr>
+          <p:cNvPr id="2" name="Slide Number Placeholder 1">
+            <a:extLst>
+              <a:ext uri="{FF2B5EF4-FFF2-40B4-BE49-F238E27FC236}">
+                <a16:creationId xmlns:a16="http://schemas.microsoft.com/office/drawing/2014/main" id="{A335EFF7-243D-4A43-4B26-7F0F66F84AFE}"/>
+              </a:ext>
+            </a:extLst>
+          </p:cNvPr>
+          <p:cNvSpPr>
+            <a:spLocks noGrp="1"/>
+          </p:cNvSpPr>
+          <p:nvPr>
+            <p:ph type="sldNum" sz="quarter" idx="12"/>
+          </p:nvPr>
+        </p:nvSpPr>
+        <p:spPr/>
+        <p:txBody>
+          <a:bodyPr/>
+          <a:lstStyle/>
+          <a:p>
+            <a:fld id="{9EA0BE3B-158A-4EDF-80DC-E394A0D1600F}" type="slidenum">
+              <a:rPr lang="en-US" smtClean="0"/>
+              <a:pPr/>
+              <a:t>20</a:t>
+            </a:fld>
+            <a:endParaRPr lang="en-US" dirty="0"/>
+          </a:p>
+        </p:txBody>
+      </p:sp>
+      <p:sp>
+        <p:nvSpPr>
+          <p:cNvPr id="3" name="Title 2">
+            <a:extLst>
+              <a:ext uri="{FF2B5EF4-FFF2-40B4-BE49-F238E27FC236}">
+                <a16:creationId xmlns:a16="http://schemas.microsoft.com/office/drawing/2014/main" id="{8ED349EA-53FF-3065-2251-57670E502522}"/>
+              </a:ext>
+            </a:extLst>
+          </p:cNvPr>
+          <p:cNvSpPr>
+            <a:spLocks noGrp="1"/>
+          </p:cNvSpPr>
+          <p:nvPr>
+            <p:ph type="title"/>
+          </p:nvPr>
+        </p:nvSpPr>
+        <p:spPr/>
+        <p:txBody>
+          <a:bodyPr/>
+          <a:lstStyle/>
+          <a:p>
+            <a:endParaRPr lang="en-US" dirty="0"/>
+          </a:p>
+        </p:txBody>
+      </p:sp>
+      <p:sp>
+        <p:nvSpPr>
+          <p:cNvPr id="4" name="Content Placeholder 3">
+            <a:extLst>
+              <a:ext uri="{FF2B5EF4-FFF2-40B4-BE49-F238E27FC236}">
+                <a16:creationId xmlns:a16="http://schemas.microsoft.com/office/drawing/2014/main" id="{A960DCC3-EE58-B857-9059-02F3526BA1DE}"/>
+              </a:ext>
+            </a:extLst>
+          </p:cNvPr>
+          <p:cNvSpPr>
+            <a:spLocks noGrp="1"/>
+          </p:cNvSpPr>
+          <p:nvPr>
+            <p:ph sz="quarter" idx="13"/>
+          </p:nvPr>
+        </p:nvSpPr>
+        <p:spPr/>
+        <p:txBody>
+          <a:bodyPr/>
+          <a:lstStyle/>
+          <a:p>
+            <a:r>
+              <a:rPr lang="en-US" dirty="0"/>
+              <a:t>Package Java </a:t>
+            </a:r>
+            <a:r>
+              <a:rPr lang="en-US" dirty="0" err="1"/>
+              <a:t>và</a:t>
+            </a:r>
+            <a:r>
+              <a:rPr lang="en-US" dirty="0"/>
+              <a:t> JavaFX</a:t>
+            </a:r>
+            <a:endParaRPr lang="en-US" dirty="0">
+              <a:effectLst/>
+            </a:endParaRPr>
+          </a:p>
+        </p:txBody>
+      </p:sp>
+      <p:pic>
+        <p:nvPicPr>
+          <p:cNvPr id="5" name="Hình ảnh 1" descr="Ảnh có chứa biểu đồ, ảnh chụp màn hình, hàng, Hình chữ nhật&#10;&#10;Mô tả được tạo tự động">
+            <a:extLst>
+              <a:ext uri="{FF2B5EF4-FFF2-40B4-BE49-F238E27FC236}">
+                <a16:creationId xmlns:a16="http://schemas.microsoft.com/office/drawing/2014/main" id="{09A6B473-C251-5C7C-27B9-37E299BAFBD4}"/>
+              </a:ext>
+            </a:extLst>
+          </p:cNvPr>
+          <p:cNvPicPr>
+            <a:picLocks noChangeAspect="1"/>
+          </p:cNvPicPr>
+          <p:nvPr/>
+        </p:nvPicPr>
+        <p:blipFill>
+          <a:blip r:embed="rId2"/>
+          <a:stretch>
+            <a:fillRect/>
+          </a:stretch>
+        </p:blipFill>
+        <p:spPr>
+          <a:xfrm>
+            <a:off x="1538294" y="1793053"/>
+            <a:ext cx="5731510" cy="1270000"/>
+          </a:xfrm>
+          <a:prstGeom prst="rect">
+            <a:avLst/>
+          </a:prstGeom>
+        </p:spPr>
+      </p:pic>
+      <p:pic>
+        <p:nvPicPr>
+          <p:cNvPr id="7" name="Hình ảnh 1" descr="Ảnh có chứa hàng, ảnh chụp màn hình, biểu đồ, Hình chữ nhật&#10;&#10;Mô tả được tạo tự động">
+            <a:extLst>
+              <a:ext uri="{FF2B5EF4-FFF2-40B4-BE49-F238E27FC236}">
+                <a16:creationId xmlns:a16="http://schemas.microsoft.com/office/drawing/2014/main" id="{7C6FF4EE-26AE-F48F-49D8-8B06019DDC1D}"/>
+              </a:ext>
+            </a:extLst>
+          </p:cNvPr>
+          <p:cNvPicPr>
+            <a:picLocks noChangeAspect="1"/>
+          </p:cNvPicPr>
+          <p:nvPr/>
+        </p:nvPicPr>
+        <p:blipFill>
+          <a:blip r:embed="rId3"/>
+          <a:stretch>
+            <a:fillRect/>
+          </a:stretch>
+        </p:blipFill>
+        <p:spPr>
+          <a:xfrm>
+            <a:off x="1538294" y="3902806"/>
+            <a:ext cx="5731510" cy="1402080"/>
+          </a:xfrm>
+          <a:prstGeom prst="rect">
+            <a:avLst/>
+          </a:prstGeom>
+        </p:spPr>
+      </p:pic>
+    </p:spTree>
+    <p:extLst>
+      <p:ext uri="{BB962C8B-B14F-4D97-AF65-F5344CB8AC3E}">
+        <p14:creationId xmlns:p14="http://schemas.microsoft.com/office/powerpoint/2010/main" val="1953877309"/>
+      </p:ext>
+    </p:extLst>
+  </p:cSld>
+  <p:clrMapOvr>
+    <a:masterClrMapping/>
+  </p:clrMapOvr>
+</p:sld>
+</file>
+
+<file path=ppt/slides/slide21.xml><?xml version="1.0" encoding="utf-8"?>
 <p:sld xmlns:a="http://schemas.openxmlformats.org/drawingml/2006/main" xmlns:r="http://schemas.openxmlformats.org/officeDocument/2006/relationships" xmlns:p="http://schemas.openxmlformats.org/presentationml/2006/main">
   <p:cSld>
     <p:bg>
@@ -7685,7 +7997,7 @@
                   <a:spcPts val="600"/>
                 </a:spcAft>
               </a:pPr>
-              <a:t>20</a:t>
+              <a:t>21</a:t>
             </a:fld>
             <a:endParaRPr lang="en-US" sz="1000">
               <a:solidFill>
@@ -7714,7 +8026,7 @@
 </p:sld>
 </file>
 
-<file path=ppt/slides/slide21.xml><?xml version="1.0" encoding="utf-8"?>
+<file path=ppt/slides/slide22.xml><?xml version="1.0" encoding="utf-8"?>
 <p:sld xmlns:a="http://schemas.openxmlformats.org/drawingml/2006/main" xmlns:r="http://schemas.openxmlformats.org/officeDocument/2006/relationships" xmlns:p="http://schemas.openxmlformats.org/presentationml/2006/main">
   <p:cSld>
     <p:spTree>
@@ -7761,7 +8073,7 @@
             <a:fld id="{9EA0BE3B-158A-4EDF-80DC-E394A0D1600F}" type="slidenum">
               <a:rPr lang="en-US" smtClean="0"/>
               <a:pPr/>
-              <a:t>21</a:t>
+              <a:t>22</a:t>
             </a:fld>
             <a:endParaRPr lang="en-US" dirty="0"/>
           </a:p>
@@ -7846,7 +8158,7 @@
 </p:sld>
 </file>
 
-<file path=ppt/slides/slide22.xml><?xml version="1.0" encoding="utf-8"?>
+<file path=ppt/slides/slide23.xml><?xml version="1.0" encoding="utf-8"?>
 <p:sld xmlns:a="http://schemas.openxmlformats.org/drawingml/2006/main" xmlns:r="http://schemas.openxmlformats.org/officeDocument/2006/relationships" xmlns:p="http://schemas.openxmlformats.org/presentationml/2006/main">
   <p:cSld>
     <p:spTree>
@@ -7887,7 +8199,7 @@
             <a:fld id="{9EA0BE3B-158A-4EDF-80DC-E394A0D1600F}" type="slidenum">
               <a:rPr lang="en-US" smtClean="0"/>
               <a:pPr/>
-              <a:t>22</a:t>
+              <a:t>23</a:t>
             </a:fld>
             <a:endParaRPr lang="en-US" dirty="0"/>
           </a:p>
